--- a/_posts/2019-05-14-Introduction-to-QC-and-TQC-Ising-Anyons/assets/pics.source.pptx
+++ b/_posts/2019-05-14-Introduction-to-QC-and-TQC-Ising-Anyons/assets/pics.source.pptx
@@ -249,7 +249,7 @@
           <a:p>
             <a:fld id="{0D8F7EA0-B178-4297-BD60-816F800BD5CA}" type="datetimeFigureOut">
               <a:rPr lang="zh-CN" altLang="en-US" smtClean="0"/>
-              <a:t>2019/5/14</a:t>
+              <a:t>2019/5/16</a:t>
             </a:fld>
             <a:endParaRPr lang="zh-CN" altLang="en-US"/>
           </a:p>
@@ -419,7 +419,7 @@
           <a:p>
             <a:fld id="{0D8F7EA0-B178-4297-BD60-816F800BD5CA}" type="datetimeFigureOut">
               <a:rPr lang="zh-CN" altLang="en-US" smtClean="0"/>
-              <a:t>2019/5/14</a:t>
+              <a:t>2019/5/16</a:t>
             </a:fld>
             <a:endParaRPr lang="zh-CN" altLang="en-US"/>
           </a:p>
@@ -599,7 +599,7 @@
           <a:p>
             <a:fld id="{0D8F7EA0-B178-4297-BD60-816F800BD5CA}" type="datetimeFigureOut">
               <a:rPr lang="zh-CN" altLang="en-US" smtClean="0"/>
-              <a:t>2019/5/14</a:t>
+              <a:t>2019/5/16</a:t>
             </a:fld>
             <a:endParaRPr lang="zh-CN" altLang="en-US"/>
           </a:p>
@@ -769,7 +769,7 @@
           <a:p>
             <a:fld id="{0D8F7EA0-B178-4297-BD60-816F800BD5CA}" type="datetimeFigureOut">
               <a:rPr lang="zh-CN" altLang="en-US" smtClean="0"/>
-              <a:t>2019/5/14</a:t>
+              <a:t>2019/5/16</a:t>
             </a:fld>
             <a:endParaRPr lang="zh-CN" altLang="en-US"/>
           </a:p>
@@ -1015,7 +1015,7 @@
           <a:p>
             <a:fld id="{0D8F7EA0-B178-4297-BD60-816F800BD5CA}" type="datetimeFigureOut">
               <a:rPr lang="zh-CN" altLang="en-US" smtClean="0"/>
-              <a:t>2019/5/14</a:t>
+              <a:t>2019/5/16</a:t>
             </a:fld>
             <a:endParaRPr lang="zh-CN" altLang="en-US"/>
           </a:p>
@@ -1247,7 +1247,7 @@
           <a:p>
             <a:fld id="{0D8F7EA0-B178-4297-BD60-816F800BD5CA}" type="datetimeFigureOut">
               <a:rPr lang="zh-CN" altLang="en-US" smtClean="0"/>
-              <a:t>2019/5/14</a:t>
+              <a:t>2019/5/16</a:t>
             </a:fld>
             <a:endParaRPr lang="zh-CN" altLang="en-US"/>
           </a:p>
@@ -1614,7 +1614,7 @@
           <a:p>
             <a:fld id="{0D8F7EA0-B178-4297-BD60-816F800BD5CA}" type="datetimeFigureOut">
               <a:rPr lang="zh-CN" altLang="en-US" smtClean="0"/>
-              <a:t>2019/5/14</a:t>
+              <a:t>2019/5/16</a:t>
             </a:fld>
             <a:endParaRPr lang="zh-CN" altLang="en-US"/>
           </a:p>
@@ -1732,7 +1732,7 @@
           <a:p>
             <a:fld id="{0D8F7EA0-B178-4297-BD60-816F800BD5CA}" type="datetimeFigureOut">
               <a:rPr lang="zh-CN" altLang="en-US" smtClean="0"/>
-              <a:t>2019/5/14</a:t>
+              <a:t>2019/5/16</a:t>
             </a:fld>
             <a:endParaRPr lang="zh-CN" altLang="en-US"/>
           </a:p>
@@ -1827,7 +1827,7 @@
           <a:p>
             <a:fld id="{0D8F7EA0-B178-4297-BD60-816F800BD5CA}" type="datetimeFigureOut">
               <a:rPr lang="zh-CN" altLang="en-US" smtClean="0"/>
-              <a:t>2019/5/14</a:t>
+              <a:t>2019/5/16</a:t>
             </a:fld>
             <a:endParaRPr lang="zh-CN" altLang="en-US"/>
           </a:p>
@@ -2104,7 +2104,7 @@
           <a:p>
             <a:fld id="{0D8F7EA0-B178-4297-BD60-816F800BD5CA}" type="datetimeFigureOut">
               <a:rPr lang="zh-CN" altLang="en-US" smtClean="0"/>
-              <a:t>2019/5/14</a:t>
+              <a:t>2019/5/16</a:t>
             </a:fld>
             <a:endParaRPr lang="zh-CN" altLang="en-US"/>
           </a:p>
@@ -2361,7 +2361,7 @@
           <a:p>
             <a:fld id="{0D8F7EA0-B178-4297-BD60-816F800BD5CA}" type="datetimeFigureOut">
               <a:rPr lang="zh-CN" altLang="en-US" smtClean="0"/>
-              <a:t>2019/5/14</a:t>
+              <a:t>2019/5/16</a:t>
             </a:fld>
             <a:endParaRPr lang="zh-CN" altLang="en-US"/>
           </a:p>
@@ -2574,7 +2574,7 @@
           <a:p>
             <a:fld id="{0D8F7EA0-B178-4297-BD60-816F800BD5CA}" type="datetimeFigureOut">
               <a:rPr lang="zh-CN" altLang="en-US" smtClean="0"/>
-              <a:t>2019/5/14</a:t>
+              <a:t>2019/5/16</a:t>
             </a:fld>
             <a:endParaRPr lang="zh-CN" altLang="en-US"/>
           </a:p>
@@ -5267,7 +5267,7 @@
         </p:nvCxnSpPr>
         <p:spPr>
           <a:xfrm>
-            <a:off x="1101969" y="1989000"/>
+            <a:off x="187574" y="1411487"/>
             <a:ext cx="1440000" cy="1440000"/>
           </a:xfrm>
           <a:prstGeom prst="line">
@@ -5306,7 +5306,7 @@
         </p:nvCxnSpPr>
         <p:spPr>
           <a:xfrm flipV="1">
-            <a:off x="2541969" y="1989000"/>
+            <a:off x="1627574" y="1411487"/>
             <a:ext cx="1440000" cy="1440000"/>
           </a:xfrm>
           <a:prstGeom prst="line">
@@ -5345,7 +5345,7 @@
         </p:nvCxnSpPr>
         <p:spPr>
           <a:xfrm>
-            <a:off x="2541969" y="3429000"/>
+            <a:off x="1627574" y="2851487"/>
             <a:ext cx="0" cy="1440000"/>
           </a:xfrm>
           <a:prstGeom prst="line">
@@ -5384,7 +5384,7 @@
         </p:nvCxnSpPr>
         <p:spPr>
           <a:xfrm flipH="1">
-            <a:off x="1809820" y="1989000"/>
+            <a:off x="895425" y="1411487"/>
             <a:ext cx="720000" cy="720000"/>
           </a:xfrm>
           <a:prstGeom prst="line">
@@ -5421,7 +5421,7 @@
         </p:nvCxnSpPr>
         <p:spPr>
           <a:xfrm>
-            <a:off x="8033238" y="1989000"/>
+            <a:off x="5072550" y="1337818"/>
             <a:ext cx="1440000" cy="1440000"/>
           </a:xfrm>
           <a:prstGeom prst="line">
@@ -5460,7 +5460,7 @@
         </p:nvCxnSpPr>
         <p:spPr>
           <a:xfrm flipV="1">
-            <a:off x="9473238" y="1989000"/>
+            <a:off x="6512550" y="1337818"/>
             <a:ext cx="1440000" cy="1440000"/>
           </a:xfrm>
           <a:prstGeom prst="line">
@@ -5499,7 +5499,7 @@
         </p:nvCxnSpPr>
         <p:spPr>
           <a:xfrm>
-            <a:off x="9473238" y="3429000"/>
+            <a:off x="6512550" y="2777818"/>
             <a:ext cx="0" cy="1440000"/>
           </a:xfrm>
           <a:prstGeom prst="line">
@@ -5538,7 +5538,7 @@
         </p:nvCxnSpPr>
         <p:spPr>
           <a:xfrm>
-            <a:off x="9461089" y="1989000"/>
+            <a:off x="6500401" y="1337818"/>
             <a:ext cx="720000" cy="720000"/>
           </a:xfrm>
           <a:prstGeom prst="line">
@@ -5577,8 +5577,8 @@
             </p:nvSpPr>
             <p:spPr>
               <a:xfrm>
-                <a:off x="4269941" y="2635331"/>
-                <a:ext cx="4011702" cy="1968103"/>
+                <a:off x="2204027" y="2078376"/>
+                <a:ext cx="4011702" cy="841705"/>
               </a:xfrm>
               <a:prstGeom prst="rect">
                 <a:avLst/>
@@ -5604,67 +5604,45 @@
                         </a:rPr>
                         <m:t>=</m:t>
                       </m:r>
-                      <m:nary>
-                        <m:naryPr>
-                          <m:chr m:val="∑"/>
-                          <m:supHide m:val="on"/>
+                      <m:sSubSup>
+                        <m:sSubSupPr>
                           <m:ctrlPr>
-                            <a:rPr lang="en-US" altLang="zh-CN" sz="4800" b="0" i="1" smtClean="0">
+                            <a:rPr lang="en-US" altLang="zh-CN" sz="4800" i="1">
                               <a:latin typeface="Cambria Math" panose="02040503050406030204" pitchFamily="18" charset="0"/>
                             </a:rPr>
                           </m:ctrlPr>
-                        </m:naryPr>
+                        </m:sSubSupPr>
+                        <m:e>
+                          <m:r>
+                            <a:rPr lang="en-US" altLang="zh-CN" sz="4800" i="1">
+                              <a:latin typeface="Cambria Math" panose="02040503050406030204" pitchFamily="18" charset="0"/>
+                            </a:rPr>
+                            <m:t>𝐹</m:t>
+                          </m:r>
+                        </m:e>
                         <m:sub>
                           <m:r>
-                            <a:rPr lang="en-US" altLang="zh-CN" sz="4800" b="0" i="1" smtClean="0">
+                            <a:rPr lang="en-US" altLang="zh-CN" sz="4800" i="1">
                               <a:latin typeface="Cambria Math" panose="02040503050406030204" pitchFamily="18" charset="0"/>
                             </a:rPr>
-                            <m:t>𝑓</m:t>
+                            <m:t>𝜎𝜎</m:t>
+                          </m:r>
+                          <m:r>
+                            <a:rPr lang="en-US" altLang="zh-CN" sz="4800" i="1">
+                              <a:latin typeface="Cambria Math" panose="02040503050406030204" pitchFamily="18" charset="0"/>
+                            </a:rPr>
+                            <m:t>1</m:t>
                           </m:r>
                         </m:sub>
-                        <m:sup/>
-                        <m:e>
-                          <m:sSubSup>
-                            <m:sSubSupPr>
-                              <m:ctrlPr>
-                                <a:rPr lang="en-US" altLang="zh-CN" sz="4800" i="1">
-                                  <a:latin typeface="Cambria Math" panose="02040503050406030204" pitchFamily="18" charset="0"/>
-                                </a:rPr>
-                              </m:ctrlPr>
-                            </m:sSubSupPr>
-                            <m:e>
-                              <m:r>
-                                <a:rPr lang="en-US" altLang="zh-CN" sz="4800" i="1">
-                                  <a:latin typeface="Cambria Math" panose="02040503050406030204" pitchFamily="18" charset="0"/>
-                                </a:rPr>
-                                <m:t>𝐹</m:t>
-                              </m:r>
-                            </m:e>
-                            <m:sub>
-                              <m:r>
-                                <a:rPr lang="en-US" altLang="zh-CN" sz="4800" i="1">
-                                  <a:latin typeface="Cambria Math" panose="02040503050406030204" pitchFamily="18" charset="0"/>
-                                </a:rPr>
-                                <m:t>𝜎𝜎</m:t>
-                              </m:r>
-                              <m:r>
-                                <a:rPr lang="en-US" altLang="zh-CN" sz="4800" i="1">
-                                  <a:latin typeface="Cambria Math" panose="02040503050406030204" pitchFamily="18" charset="0"/>
-                                </a:rPr>
-                                <m:t>1</m:t>
-                              </m:r>
-                            </m:sub>
-                            <m:sup>
-                              <m:r>
-                                <a:rPr lang="en-US" altLang="zh-CN" sz="4800" i="1">
-                                  <a:latin typeface="Cambria Math" panose="02040503050406030204" pitchFamily="18" charset="0"/>
-                                </a:rPr>
-                                <m:t>1</m:t>
-                              </m:r>
-                            </m:sup>
-                          </m:sSubSup>
-                        </m:e>
-                      </m:nary>
+                        <m:sup>
+                          <m:r>
+                            <a:rPr lang="en-US" altLang="zh-CN" sz="4800" i="1">
+                              <a:latin typeface="Cambria Math" panose="02040503050406030204" pitchFamily="18" charset="0"/>
+                            </a:rPr>
+                            <m:t>1</m:t>
+                          </m:r>
+                        </m:sup>
+                      </m:sSubSup>
                     </m:oMath>
                   </m:oMathPara>
                 </a14:m>
@@ -5690,8 +5668,8 @@
             </p:nvSpPr>
             <p:spPr>
               <a:xfrm>
-                <a:off x="4269941" y="2635331"/>
-                <a:ext cx="4011702" cy="1968103"/>
+                <a:off x="2204027" y="2078376"/>
+                <a:ext cx="4011702" cy="841705"/>
               </a:xfrm>
               <a:prstGeom prst="rect">
                 <a:avLst/>
@@ -5734,7 +5712,7 @@
             </p:nvSpPr>
             <p:spPr>
               <a:xfrm>
-                <a:off x="900765" y="1342667"/>
+                <a:off x="-13630" y="765154"/>
                 <a:ext cx="3448095" cy="646331"/>
               </a:xfrm>
               <a:prstGeom prst="rect">
@@ -5748,6 +5726,7 @@
               </a:bodyPr>
               <a:lstStyle/>
               <a:p>
+                <a:pPr/>
                 <a14:m>
                   <m:oMathPara xmlns:m="http://schemas.openxmlformats.org/officeDocument/2006/math">
                     <m:oMathParaPr>
@@ -5764,13 +5743,7 @@
                         <a:rPr lang="en-US" altLang="zh-CN" sz="3600" i="1" dirty="0" smtClean="0">
                           <a:latin typeface="Cambria Math" panose="02040503050406030204" pitchFamily="18" charset="0"/>
                         </a:rPr>
-                        <m:t>         </m:t>
-                      </m:r>
-                      <m:r>
-                        <a:rPr lang="en-US" altLang="zh-CN" sz="3600" i="1" dirty="0" smtClean="0">
-                          <a:latin typeface="Cambria Math" panose="02040503050406030204" pitchFamily="18" charset="0"/>
-                        </a:rPr>
-                        <m:t>   </m:t>
+                        <m:t>            </m:t>
                       </m:r>
                       <m:r>
                         <a:rPr lang="en-US" altLang="zh-CN" sz="3600" i="1" dirty="0" smtClean="0">
@@ -5809,7 +5782,7 @@
             </p:nvSpPr>
             <p:spPr>
               <a:xfrm>
-                <a:off x="900765" y="1342667"/>
+                <a:off x="-13630" y="765154"/>
                 <a:ext cx="3448095" cy="646331"/>
               </a:xfrm>
               <a:prstGeom prst="rect">
@@ -5853,7 +5826,7 @@
             </p:nvSpPr>
             <p:spPr>
               <a:xfrm>
-                <a:off x="9290335" y="4869000"/>
+                <a:off x="6329647" y="4217818"/>
                 <a:ext cx="505267" cy="584775"/>
               </a:xfrm>
               <a:prstGeom prst="rect">
@@ -5866,6 +5839,7 @@
               </a:bodyPr>
               <a:lstStyle/>
               <a:p>
+                <a:pPr/>
                 <a14:m>
                   <m:oMathPara xmlns:m="http://schemas.openxmlformats.org/officeDocument/2006/math">
                     <m:oMathParaPr>
@@ -5903,7 +5877,7 @@
             </p:nvSpPr>
             <p:spPr>
               <a:xfrm>
-                <a:off x="9290335" y="4869000"/>
+                <a:off x="6329647" y="4217818"/>
                 <a:ext cx="505267" cy="584775"/>
               </a:xfrm>
               <a:prstGeom prst="rect">
@@ -5947,7 +5921,7 @@
             </p:nvSpPr>
             <p:spPr>
               <a:xfrm>
-                <a:off x="2277186" y="4868999"/>
+                <a:off x="1362791" y="4291486"/>
                 <a:ext cx="505267" cy="584775"/>
               </a:xfrm>
               <a:prstGeom prst="rect">
@@ -5960,6 +5934,7 @@
               </a:bodyPr>
               <a:lstStyle/>
               <a:p>
+                <a:pPr/>
                 <a14:m>
                   <m:oMathPara xmlns:m="http://schemas.openxmlformats.org/officeDocument/2006/math">
                     <m:oMathParaPr>
@@ -5997,7 +5972,7 @@
             </p:nvSpPr>
             <p:spPr>
               <a:xfrm>
-                <a:off x="2277186" y="4868999"/>
+                <a:off x="1362791" y="4291486"/>
                 <a:ext cx="505267" cy="584775"/>
               </a:xfrm>
               <a:prstGeom prst="rect">
@@ -6041,7 +6016,7 @@
             </p:nvSpPr>
             <p:spPr>
               <a:xfrm>
-                <a:off x="10123466" y="2635331"/>
+                <a:off x="7162778" y="1984149"/>
                 <a:ext cx="528093" cy="584775"/>
               </a:xfrm>
               <a:prstGeom prst="rect">
@@ -6054,6 +6029,7 @@
               </a:bodyPr>
               <a:lstStyle/>
               <a:p>
+                <a:pPr/>
                 <a14:m>
                   <m:oMathPara xmlns:m="http://schemas.openxmlformats.org/officeDocument/2006/math">
                     <m:oMathParaPr>
@@ -6091,7 +6067,7 @@
             </p:nvSpPr>
             <p:spPr>
               <a:xfrm>
-                <a:off x="10123466" y="2635331"/>
+                <a:off x="7162778" y="1984149"/>
                 <a:ext cx="528093" cy="584775"/>
               </a:xfrm>
               <a:prstGeom prst="rect">
@@ -6135,7 +6111,7 @@
             </p:nvSpPr>
             <p:spPr>
               <a:xfrm>
-                <a:off x="1409313" y="2635331"/>
+                <a:off x="494918" y="2057818"/>
                 <a:ext cx="505267" cy="584775"/>
               </a:xfrm>
               <a:prstGeom prst="rect">
@@ -6148,6 +6124,7 @@
               </a:bodyPr>
               <a:lstStyle/>
               <a:p>
+                <a:pPr/>
                 <a14:m>
                   <m:oMathPara xmlns:m="http://schemas.openxmlformats.org/officeDocument/2006/math">
                     <m:oMathParaPr>
@@ -6185,7 +6162,7 @@
             </p:nvSpPr>
             <p:spPr>
               <a:xfrm>
-                <a:off x="1409313" y="2635331"/>
+                <a:off x="494918" y="2057818"/>
                 <a:ext cx="505267" cy="584775"/>
               </a:xfrm>
               <a:prstGeom prst="rect">
@@ -6229,7 +6206,7 @@
             </p:nvSpPr>
             <p:spPr>
               <a:xfrm>
-                <a:off x="7835153" y="1342281"/>
+                <a:off x="4874465" y="691099"/>
                 <a:ext cx="3448095" cy="646331"/>
               </a:xfrm>
               <a:prstGeom prst="rect">
@@ -6243,6 +6220,7 @@
               </a:bodyPr>
               <a:lstStyle/>
               <a:p>
+                <a:pPr/>
                 <a14:m>
                   <m:oMathPara xmlns:m="http://schemas.openxmlformats.org/officeDocument/2006/math">
                     <m:oMathParaPr>
@@ -6259,13 +6237,7 @@
                         <a:rPr lang="en-US" altLang="zh-CN" sz="3600" i="1" dirty="0" smtClean="0">
                           <a:latin typeface="Cambria Math" panose="02040503050406030204" pitchFamily="18" charset="0"/>
                         </a:rPr>
-                        <m:t>         </m:t>
-                      </m:r>
-                      <m:r>
-                        <a:rPr lang="en-US" altLang="zh-CN" sz="3600" i="1" dirty="0" smtClean="0">
-                          <a:latin typeface="Cambria Math" panose="02040503050406030204" pitchFamily="18" charset="0"/>
-                        </a:rPr>
-                        <m:t>   </m:t>
+                        <m:t>            </m:t>
                       </m:r>
                       <m:r>
                         <a:rPr lang="en-US" altLang="zh-CN" sz="3600" i="1" dirty="0" smtClean="0">
@@ -6304,7 +6276,7 @@
             </p:nvSpPr>
             <p:spPr>
               <a:xfrm>
-                <a:off x="7835153" y="1342281"/>
+                <a:off x="4874465" y="691099"/>
                 <a:ext cx="3448095" cy="646331"/>
               </a:xfrm>
               <a:prstGeom prst="rect">
@@ -6312,6 +6284,1057 @@
               </a:prstGeom>
               <a:blipFill>
                 <a:blip r:embed="rId8"/>
+                <a:stretch>
+                  <a:fillRect/>
+                </a:stretch>
+              </a:blipFill>
+            </p:spPr>
+            <p:txBody>
+              <a:bodyPr/>
+              <a:lstStyle/>
+              <a:p>
+                <a:r>
+                  <a:rPr lang="zh-CN" altLang="en-US">
+                    <a:noFill/>
+                  </a:rPr>
+                  <a:t> </a:t>
+                </a:r>
+              </a:p>
+            </p:txBody>
+          </p:sp>
+        </mc:Fallback>
+      </mc:AlternateContent>
+      <p:cxnSp>
+        <p:nvCxnSpPr>
+          <p:cNvPr id="17" name="Straight Connector 16">
+            <a:extLst>
+              <a:ext uri="{FF2B5EF4-FFF2-40B4-BE49-F238E27FC236}">
+                <a16:creationId xmlns:a16="http://schemas.microsoft.com/office/drawing/2014/main" id="{716B4087-A82B-42D8-B0E3-8719400545E2}"/>
+              </a:ext>
+            </a:extLst>
+          </p:cNvPr>
+          <p:cNvCxnSpPr/>
+          <p:nvPr/>
+        </p:nvCxnSpPr>
+        <p:spPr>
+          <a:xfrm>
+            <a:off x="187574" y="6240570"/>
+            <a:ext cx="1440000" cy="1440000"/>
+          </a:xfrm>
+          <a:prstGeom prst="line">
+            <a:avLst/>
+          </a:prstGeom>
+          <a:ln w="38100"/>
+        </p:spPr>
+        <p:style>
+          <a:lnRef idx="3">
+            <a:schemeClr val="dk1"/>
+          </a:lnRef>
+          <a:fillRef idx="0">
+            <a:schemeClr val="dk1"/>
+          </a:fillRef>
+          <a:effectRef idx="2">
+            <a:schemeClr val="dk1"/>
+          </a:effectRef>
+          <a:fontRef idx="minor">
+            <a:schemeClr val="tx1"/>
+          </a:fontRef>
+        </p:style>
+      </p:cxnSp>
+      <p:cxnSp>
+        <p:nvCxnSpPr>
+          <p:cNvPr id="18" name="Straight Connector 17">
+            <a:extLst>
+              <a:ext uri="{FF2B5EF4-FFF2-40B4-BE49-F238E27FC236}">
+                <a16:creationId xmlns:a16="http://schemas.microsoft.com/office/drawing/2014/main" id="{A9BE0781-0447-4BC1-A6F3-A8E28D410248}"/>
+              </a:ext>
+            </a:extLst>
+          </p:cNvPr>
+          <p:cNvCxnSpPr>
+            <a:cxnSpLocks/>
+          </p:cNvCxnSpPr>
+          <p:nvPr/>
+        </p:nvCxnSpPr>
+        <p:spPr>
+          <a:xfrm flipV="1">
+            <a:off x="1627574" y="6240570"/>
+            <a:ext cx="1440000" cy="1440000"/>
+          </a:xfrm>
+          <a:prstGeom prst="line">
+            <a:avLst/>
+          </a:prstGeom>
+          <a:ln w="38100"/>
+        </p:spPr>
+        <p:style>
+          <a:lnRef idx="3">
+            <a:schemeClr val="dk1"/>
+          </a:lnRef>
+          <a:fillRef idx="0">
+            <a:schemeClr val="dk1"/>
+          </a:fillRef>
+          <a:effectRef idx="2">
+            <a:schemeClr val="dk1"/>
+          </a:effectRef>
+          <a:fontRef idx="minor">
+            <a:schemeClr val="tx1"/>
+          </a:fontRef>
+        </p:style>
+      </p:cxnSp>
+      <p:cxnSp>
+        <p:nvCxnSpPr>
+          <p:cNvPr id="19" name="Straight Connector 18">
+            <a:extLst>
+              <a:ext uri="{FF2B5EF4-FFF2-40B4-BE49-F238E27FC236}">
+                <a16:creationId xmlns:a16="http://schemas.microsoft.com/office/drawing/2014/main" id="{F445C611-67A5-4510-BFFC-77ED8D2B9C88}"/>
+              </a:ext>
+            </a:extLst>
+          </p:cNvPr>
+          <p:cNvCxnSpPr>
+            <a:cxnSpLocks/>
+          </p:cNvCxnSpPr>
+          <p:nvPr/>
+        </p:nvCxnSpPr>
+        <p:spPr>
+          <a:xfrm>
+            <a:off x="1627574" y="7680570"/>
+            <a:ext cx="0" cy="1440000"/>
+          </a:xfrm>
+          <a:prstGeom prst="line">
+            <a:avLst/>
+          </a:prstGeom>
+          <a:ln w="38100"/>
+        </p:spPr>
+        <p:style>
+          <a:lnRef idx="3">
+            <a:schemeClr val="dk1"/>
+          </a:lnRef>
+          <a:fillRef idx="0">
+            <a:schemeClr val="dk1"/>
+          </a:fillRef>
+          <a:effectRef idx="2">
+            <a:schemeClr val="dk1"/>
+          </a:effectRef>
+          <a:fontRef idx="minor">
+            <a:schemeClr val="tx1"/>
+          </a:fontRef>
+        </p:style>
+      </p:cxnSp>
+      <p:cxnSp>
+        <p:nvCxnSpPr>
+          <p:cNvPr id="20" name="Straight Connector 19">
+            <a:extLst>
+              <a:ext uri="{FF2B5EF4-FFF2-40B4-BE49-F238E27FC236}">
+                <a16:creationId xmlns:a16="http://schemas.microsoft.com/office/drawing/2014/main" id="{7EF747F2-3747-42A9-A57D-E3E070063003}"/>
+              </a:ext>
+            </a:extLst>
+          </p:cNvPr>
+          <p:cNvCxnSpPr>
+            <a:cxnSpLocks/>
+          </p:cNvCxnSpPr>
+          <p:nvPr/>
+        </p:nvCxnSpPr>
+        <p:spPr>
+          <a:xfrm flipH="1">
+            <a:off x="895425" y="6240570"/>
+            <a:ext cx="720000" cy="720000"/>
+          </a:xfrm>
+          <a:prstGeom prst="line">
+            <a:avLst/>
+          </a:prstGeom>
+          <a:ln w="38100"/>
+        </p:spPr>
+        <p:style>
+          <a:lnRef idx="3">
+            <a:schemeClr val="dk1"/>
+          </a:lnRef>
+          <a:fillRef idx="0">
+            <a:schemeClr val="dk1"/>
+          </a:fillRef>
+          <a:effectRef idx="2">
+            <a:schemeClr val="dk1"/>
+          </a:effectRef>
+          <a:fontRef idx="minor">
+            <a:schemeClr val="tx1"/>
+          </a:fontRef>
+        </p:style>
+      </p:cxnSp>
+      <p:cxnSp>
+        <p:nvCxnSpPr>
+          <p:cNvPr id="21" name="Straight Connector 20">
+            <a:extLst>
+              <a:ext uri="{FF2B5EF4-FFF2-40B4-BE49-F238E27FC236}">
+                <a16:creationId xmlns:a16="http://schemas.microsoft.com/office/drawing/2014/main" id="{0DD46DD0-B360-49FA-8C52-E72F2AD14E17}"/>
+              </a:ext>
+            </a:extLst>
+          </p:cNvPr>
+          <p:cNvCxnSpPr/>
+          <p:nvPr/>
+        </p:nvCxnSpPr>
+        <p:spPr>
+          <a:xfrm>
+            <a:off x="5072550" y="6166901"/>
+            <a:ext cx="1440000" cy="1440000"/>
+          </a:xfrm>
+          <a:prstGeom prst="line">
+            <a:avLst/>
+          </a:prstGeom>
+          <a:ln w="38100"/>
+        </p:spPr>
+        <p:style>
+          <a:lnRef idx="3">
+            <a:schemeClr val="dk1"/>
+          </a:lnRef>
+          <a:fillRef idx="0">
+            <a:schemeClr val="dk1"/>
+          </a:fillRef>
+          <a:effectRef idx="2">
+            <a:schemeClr val="dk1"/>
+          </a:effectRef>
+          <a:fontRef idx="minor">
+            <a:schemeClr val="tx1"/>
+          </a:fontRef>
+        </p:style>
+      </p:cxnSp>
+      <p:cxnSp>
+        <p:nvCxnSpPr>
+          <p:cNvPr id="22" name="Straight Connector 21">
+            <a:extLst>
+              <a:ext uri="{FF2B5EF4-FFF2-40B4-BE49-F238E27FC236}">
+                <a16:creationId xmlns:a16="http://schemas.microsoft.com/office/drawing/2014/main" id="{4854AD95-15F3-471F-AE7B-EAC3B5261CE4}"/>
+              </a:ext>
+            </a:extLst>
+          </p:cNvPr>
+          <p:cNvCxnSpPr>
+            <a:cxnSpLocks/>
+          </p:cNvCxnSpPr>
+          <p:nvPr/>
+        </p:nvCxnSpPr>
+        <p:spPr>
+          <a:xfrm flipV="1">
+            <a:off x="6512550" y="6166901"/>
+            <a:ext cx="1440000" cy="1440000"/>
+          </a:xfrm>
+          <a:prstGeom prst="line">
+            <a:avLst/>
+          </a:prstGeom>
+          <a:ln w="38100"/>
+        </p:spPr>
+        <p:style>
+          <a:lnRef idx="3">
+            <a:schemeClr val="dk1"/>
+          </a:lnRef>
+          <a:fillRef idx="0">
+            <a:schemeClr val="dk1"/>
+          </a:fillRef>
+          <a:effectRef idx="2">
+            <a:schemeClr val="dk1"/>
+          </a:effectRef>
+          <a:fontRef idx="minor">
+            <a:schemeClr val="tx1"/>
+          </a:fontRef>
+        </p:style>
+      </p:cxnSp>
+      <p:cxnSp>
+        <p:nvCxnSpPr>
+          <p:cNvPr id="23" name="Straight Connector 22">
+            <a:extLst>
+              <a:ext uri="{FF2B5EF4-FFF2-40B4-BE49-F238E27FC236}">
+                <a16:creationId xmlns:a16="http://schemas.microsoft.com/office/drawing/2014/main" id="{F30740DF-1DFC-4496-8E25-22B1CE16D01E}"/>
+              </a:ext>
+            </a:extLst>
+          </p:cNvPr>
+          <p:cNvCxnSpPr>
+            <a:cxnSpLocks/>
+          </p:cNvCxnSpPr>
+          <p:nvPr/>
+        </p:nvCxnSpPr>
+        <p:spPr>
+          <a:xfrm>
+            <a:off x="6512550" y="7606901"/>
+            <a:ext cx="0" cy="1440000"/>
+          </a:xfrm>
+          <a:prstGeom prst="line">
+            <a:avLst/>
+          </a:prstGeom>
+          <a:ln w="38100"/>
+        </p:spPr>
+        <p:style>
+          <a:lnRef idx="3">
+            <a:schemeClr val="dk1"/>
+          </a:lnRef>
+          <a:fillRef idx="0">
+            <a:schemeClr val="dk1"/>
+          </a:fillRef>
+          <a:effectRef idx="2">
+            <a:schemeClr val="dk1"/>
+          </a:effectRef>
+          <a:fontRef idx="minor">
+            <a:schemeClr val="tx1"/>
+          </a:fontRef>
+        </p:style>
+      </p:cxnSp>
+      <p:cxnSp>
+        <p:nvCxnSpPr>
+          <p:cNvPr id="24" name="Straight Connector 23">
+            <a:extLst>
+              <a:ext uri="{FF2B5EF4-FFF2-40B4-BE49-F238E27FC236}">
+                <a16:creationId xmlns:a16="http://schemas.microsoft.com/office/drawing/2014/main" id="{CAD6166B-EF52-4927-8647-5A2C75EBB828}"/>
+              </a:ext>
+            </a:extLst>
+          </p:cNvPr>
+          <p:cNvCxnSpPr>
+            <a:cxnSpLocks/>
+          </p:cNvCxnSpPr>
+          <p:nvPr/>
+        </p:nvCxnSpPr>
+        <p:spPr>
+          <a:xfrm>
+            <a:off x="6500401" y="6166901"/>
+            <a:ext cx="720000" cy="720000"/>
+          </a:xfrm>
+          <a:prstGeom prst="line">
+            <a:avLst/>
+          </a:prstGeom>
+          <a:ln w="38100"/>
+        </p:spPr>
+        <p:style>
+          <a:lnRef idx="3">
+            <a:schemeClr val="dk1"/>
+          </a:lnRef>
+          <a:fillRef idx="0">
+            <a:schemeClr val="dk1"/>
+          </a:fillRef>
+          <a:effectRef idx="2">
+            <a:schemeClr val="dk1"/>
+          </a:effectRef>
+          <a:fontRef idx="minor">
+            <a:schemeClr val="tx1"/>
+          </a:fontRef>
+        </p:style>
+      </p:cxnSp>
+      <mc:AlternateContent xmlns:mc="http://schemas.openxmlformats.org/markup-compatibility/2006">
+        <mc:Choice xmlns:a14="http://schemas.microsoft.com/office/drawing/2010/main" Requires="a14">
+          <p:sp>
+            <p:nvSpPr>
+              <p:cNvPr id="25" name="TextBox 24">
+                <a:extLst>
+                  <a:ext uri="{FF2B5EF4-FFF2-40B4-BE49-F238E27FC236}">
+                    <a16:creationId xmlns:a16="http://schemas.microsoft.com/office/drawing/2014/main" id="{F108ABF8-AA4B-40DB-A455-8BAAD6AD7C29}"/>
+                  </a:ext>
+                </a:extLst>
+              </p:cNvPr>
+              <p:cNvSpPr txBox="1"/>
+              <p:nvPr/>
+            </p:nvSpPr>
+            <p:spPr>
+              <a:xfrm>
+                <a:off x="2204027" y="6907459"/>
+                <a:ext cx="4011702" cy="963534"/>
+              </a:xfrm>
+              <a:prstGeom prst="rect">
+                <a:avLst/>
+              </a:prstGeom>
+              <a:noFill/>
+            </p:spPr>
+            <p:txBody>
+              <a:bodyPr wrap="square" rtlCol="0">
+                <a:spAutoFit/>
+              </a:bodyPr>
+              <a:lstStyle/>
+              <a:p>
+                <a:pPr/>
+                <a14:m>
+                  <m:oMathPara xmlns:m="http://schemas.openxmlformats.org/officeDocument/2006/math">
+                    <m:oMathParaPr>
+                      <m:jc m:val="centerGroup"/>
+                    </m:oMathParaPr>
+                    <m:oMath xmlns:m="http://schemas.openxmlformats.org/officeDocument/2006/math">
+                      <m:r>
+                        <a:rPr lang="en-US" altLang="zh-CN" sz="4800" b="0" i="1" smtClean="0">
+                          <a:latin typeface="Cambria Math" panose="02040503050406030204" pitchFamily="18" charset="0"/>
+                        </a:rPr>
+                        <m:t>=</m:t>
+                      </m:r>
+                      <m:sSubSup>
+                        <m:sSubSupPr>
+                          <m:ctrlPr>
+                            <a:rPr lang="en-US" altLang="zh-CN" sz="4800" i="1">
+                              <a:latin typeface="Cambria Math" panose="02040503050406030204" pitchFamily="18" charset="0"/>
+                            </a:rPr>
+                          </m:ctrlPr>
+                        </m:sSubSupPr>
+                        <m:e>
+                          <m:r>
+                            <a:rPr lang="en-US" altLang="zh-CN" sz="4800" i="1">
+                              <a:latin typeface="Cambria Math" panose="02040503050406030204" pitchFamily="18" charset="0"/>
+                            </a:rPr>
+                            <m:t>𝐹</m:t>
+                          </m:r>
+                        </m:e>
+                        <m:sub>
+                          <m:r>
+                            <a:rPr lang="en-US" altLang="zh-CN" sz="4800" i="1">
+                              <a:latin typeface="Cambria Math" panose="02040503050406030204" pitchFamily="18" charset="0"/>
+                            </a:rPr>
+                            <m:t>𝜎𝜎</m:t>
+                          </m:r>
+                          <m:r>
+                            <a:rPr lang="en-US" altLang="zh-CN" sz="4800" b="0" i="1" smtClean="0">
+                              <a:latin typeface="Cambria Math" panose="02040503050406030204" pitchFamily="18" charset="0"/>
+                            </a:rPr>
+                            <m:t>𝜓</m:t>
+                          </m:r>
+                        </m:sub>
+                        <m:sup>
+                          <m:r>
+                            <a:rPr lang="en-US" altLang="zh-CN" sz="4800" i="1">
+                              <a:latin typeface="Cambria Math" panose="02040503050406030204" pitchFamily="18" charset="0"/>
+                            </a:rPr>
+                            <m:t>1</m:t>
+                          </m:r>
+                        </m:sup>
+                      </m:sSubSup>
+                    </m:oMath>
+                  </m:oMathPara>
+                </a14:m>
+                <a:endParaRPr lang="zh-CN" altLang="en-US" sz="4800" dirty="0"/>
+              </a:p>
+            </p:txBody>
+          </p:sp>
+        </mc:Choice>
+        <mc:Fallback>
+          <p:sp>
+            <p:nvSpPr>
+              <p:cNvPr id="25" name="TextBox 24">
+                <a:extLst>
+                  <a:ext uri="{FF2B5EF4-FFF2-40B4-BE49-F238E27FC236}">
+                    <a16:creationId xmlns:a16="http://schemas.microsoft.com/office/drawing/2014/main" id="{F108ABF8-AA4B-40DB-A455-8BAAD6AD7C29}"/>
+                  </a:ext>
+                </a:extLst>
+              </p:cNvPr>
+              <p:cNvSpPr txBox="1">
+                <a:spLocks noRot="1" noChangeAspect="1" noMove="1" noResize="1" noEditPoints="1" noAdjustHandles="1" noChangeArrowheads="1" noChangeShapeType="1" noTextEdit="1"/>
+              </p:cNvSpPr>
+              <p:nvPr/>
+            </p:nvSpPr>
+            <p:spPr>
+              <a:xfrm>
+                <a:off x="2204027" y="6907459"/>
+                <a:ext cx="4011702" cy="963534"/>
+              </a:xfrm>
+              <a:prstGeom prst="rect">
+                <a:avLst/>
+              </a:prstGeom>
+              <a:blipFill>
+                <a:blip r:embed="rId9"/>
+                <a:stretch>
+                  <a:fillRect/>
+                </a:stretch>
+              </a:blipFill>
+            </p:spPr>
+            <p:txBody>
+              <a:bodyPr/>
+              <a:lstStyle/>
+              <a:p>
+                <a:r>
+                  <a:rPr lang="zh-CN" altLang="en-US">
+                    <a:noFill/>
+                  </a:rPr>
+                  <a:t> </a:t>
+                </a:r>
+              </a:p>
+            </p:txBody>
+          </p:sp>
+        </mc:Fallback>
+      </mc:AlternateContent>
+      <mc:AlternateContent xmlns:mc="http://schemas.openxmlformats.org/markup-compatibility/2006">
+        <mc:Choice xmlns:a14="http://schemas.microsoft.com/office/drawing/2010/main" Requires="a14">
+          <p:sp>
+            <p:nvSpPr>
+              <p:cNvPr id="26" name="TextBox 25">
+                <a:extLst>
+                  <a:ext uri="{FF2B5EF4-FFF2-40B4-BE49-F238E27FC236}">
+                    <a16:creationId xmlns:a16="http://schemas.microsoft.com/office/drawing/2014/main" id="{D5CB5987-B9C0-4FED-9AC1-BCF86819A9C9}"/>
+                  </a:ext>
+                </a:extLst>
+              </p:cNvPr>
+              <p:cNvSpPr txBox="1"/>
+              <p:nvPr/>
+            </p:nvSpPr>
+            <p:spPr>
+              <a:xfrm>
+                <a:off x="-13630" y="5594237"/>
+                <a:ext cx="3448095" cy="646331"/>
+              </a:xfrm>
+              <a:prstGeom prst="rect">
+                <a:avLst/>
+              </a:prstGeom>
+              <a:noFill/>
+            </p:spPr>
+            <p:txBody>
+              <a:bodyPr wrap="square" rtlCol="0">
+                <a:spAutoFit/>
+              </a:bodyPr>
+              <a:lstStyle/>
+              <a:p>
+                <a:pPr/>
+                <a14:m>
+                  <m:oMathPara xmlns:m="http://schemas.openxmlformats.org/officeDocument/2006/math">
+                    <m:oMathParaPr>
+                      <m:jc m:val="centerGroup"/>
+                    </m:oMathParaPr>
+                    <m:oMath xmlns:m="http://schemas.openxmlformats.org/officeDocument/2006/math">
+                      <m:r>
+                        <a:rPr lang="en-US" altLang="zh-CN" sz="3600" i="1" dirty="0" smtClean="0">
+                          <a:latin typeface="Cambria Math" panose="02040503050406030204" pitchFamily="18" charset="0"/>
+                        </a:rPr>
+                        <m:t>𝜎</m:t>
+                      </m:r>
+                      <m:r>
+                        <a:rPr lang="en-US" altLang="zh-CN" sz="3600" i="1" dirty="0" smtClean="0">
+                          <a:latin typeface="Cambria Math" panose="02040503050406030204" pitchFamily="18" charset="0"/>
+                        </a:rPr>
+                        <m:t>            </m:t>
+                      </m:r>
+                      <m:r>
+                        <a:rPr lang="en-US" altLang="zh-CN" sz="3600" i="1" dirty="0" smtClean="0">
+                          <a:latin typeface="Cambria Math" panose="02040503050406030204" pitchFamily="18" charset="0"/>
+                        </a:rPr>
+                        <m:t>𝜎</m:t>
+                      </m:r>
+                      <m:r>
+                        <a:rPr lang="en-US" altLang="zh-CN" sz="3600" i="1" dirty="0" smtClean="0">
+                          <a:latin typeface="Cambria Math" panose="02040503050406030204" pitchFamily="18" charset="0"/>
+                        </a:rPr>
+                        <m:t>           1 </m:t>
+                      </m:r>
+                    </m:oMath>
+                  </m:oMathPara>
+                </a14:m>
+                <a:endParaRPr lang="zh-CN" altLang="en-US" sz="3600" dirty="0"/>
+              </a:p>
+            </p:txBody>
+          </p:sp>
+        </mc:Choice>
+        <mc:Fallback>
+          <p:sp>
+            <p:nvSpPr>
+              <p:cNvPr id="26" name="TextBox 25">
+                <a:extLst>
+                  <a:ext uri="{FF2B5EF4-FFF2-40B4-BE49-F238E27FC236}">
+                    <a16:creationId xmlns:a16="http://schemas.microsoft.com/office/drawing/2014/main" id="{D5CB5987-B9C0-4FED-9AC1-BCF86819A9C9}"/>
+                  </a:ext>
+                </a:extLst>
+              </p:cNvPr>
+              <p:cNvSpPr txBox="1">
+                <a:spLocks noRot="1" noChangeAspect="1" noMove="1" noResize="1" noEditPoints="1" noAdjustHandles="1" noChangeArrowheads="1" noChangeShapeType="1" noTextEdit="1"/>
+              </p:cNvSpPr>
+              <p:nvPr/>
+            </p:nvSpPr>
+            <p:spPr>
+              <a:xfrm>
+                <a:off x="-13630" y="5594237"/>
+                <a:ext cx="3448095" cy="646331"/>
+              </a:xfrm>
+              <a:prstGeom prst="rect">
+                <a:avLst/>
+              </a:prstGeom>
+              <a:blipFill>
+                <a:blip r:embed="rId10"/>
+                <a:stretch>
+                  <a:fillRect/>
+                </a:stretch>
+              </a:blipFill>
+            </p:spPr>
+            <p:txBody>
+              <a:bodyPr/>
+              <a:lstStyle/>
+              <a:p>
+                <a:r>
+                  <a:rPr lang="zh-CN" altLang="en-US">
+                    <a:noFill/>
+                  </a:rPr>
+                  <a:t> </a:t>
+                </a:r>
+              </a:p>
+            </p:txBody>
+          </p:sp>
+        </mc:Fallback>
+      </mc:AlternateContent>
+      <mc:AlternateContent xmlns:mc="http://schemas.openxmlformats.org/markup-compatibility/2006">
+        <mc:Choice xmlns:a14="http://schemas.microsoft.com/office/drawing/2010/main" Requires="a14">
+          <p:sp>
+            <p:nvSpPr>
+              <p:cNvPr id="28" name="Rectangle 27">
+                <a:extLst>
+                  <a:ext uri="{FF2B5EF4-FFF2-40B4-BE49-F238E27FC236}">
+                    <a16:creationId xmlns:a16="http://schemas.microsoft.com/office/drawing/2014/main" id="{46732766-449F-4724-8AF9-F5916B417B1A}"/>
+                  </a:ext>
+                </a:extLst>
+              </p:cNvPr>
+              <p:cNvSpPr/>
+              <p:nvPr/>
+            </p:nvSpPr>
+            <p:spPr>
+              <a:xfrm>
+                <a:off x="6329647" y="9046901"/>
+                <a:ext cx="505267" cy="584775"/>
+              </a:xfrm>
+              <a:prstGeom prst="rect">
+                <a:avLst/>
+              </a:prstGeom>
+            </p:spPr>
+            <p:txBody>
+              <a:bodyPr wrap="none">
+                <a:spAutoFit/>
+              </a:bodyPr>
+              <a:lstStyle/>
+              <a:p>
+                <a:pPr/>
+                <a14:m>
+                  <m:oMathPara xmlns:m="http://schemas.openxmlformats.org/officeDocument/2006/math">
+                    <m:oMathParaPr>
+                      <m:jc m:val="centerGroup"/>
+                    </m:oMathParaPr>
+                    <m:oMath xmlns:m="http://schemas.openxmlformats.org/officeDocument/2006/math">
+                      <m:r>
+                        <a:rPr lang="en-US" altLang="zh-CN" sz="3200" i="1" dirty="0">
+                          <a:latin typeface="Cambria Math" panose="02040503050406030204" pitchFamily="18" charset="0"/>
+                        </a:rPr>
+                        <m:t>1</m:t>
+                      </m:r>
+                    </m:oMath>
+                  </m:oMathPara>
+                </a14:m>
+                <a:endParaRPr lang="zh-CN" altLang="en-US" sz="3200" dirty="0"/>
+              </a:p>
+            </p:txBody>
+          </p:sp>
+        </mc:Choice>
+        <mc:Fallback>
+          <p:sp>
+            <p:nvSpPr>
+              <p:cNvPr id="28" name="Rectangle 27">
+                <a:extLst>
+                  <a:ext uri="{FF2B5EF4-FFF2-40B4-BE49-F238E27FC236}">
+                    <a16:creationId xmlns:a16="http://schemas.microsoft.com/office/drawing/2014/main" id="{46732766-449F-4724-8AF9-F5916B417B1A}"/>
+                  </a:ext>
+                </a:extLst>
+              </p:cNvPr>
+              <p:cNvSpPr>
+                <a:spLocks noRot="1" noChangeAspect="1" noMove="1" noResize="1" noEditPoints="1" noAdjustHandles="1" noChangeArrowheads="1" noChangeShapeType="1" noTextEdit="1"/>
+              </p:cNvSpPr>
+              <p:nvPr/>
+            </p:nvSpPr>
+            <p:spPr>
+              <a:xfrm>
+                <a:off x="6329647" y="9046901"/>
+                <a:ext cx="505267" cy="584775"/>
+              </a:xfrm>
+              <a:prstGeom prst="rect">
+                <a:avLst/>
+              </a:prstGeom>
+              <a:blipFill>
+                <a:blip r:embed="rId11"/>
+                <a:stretch>
+                  <a:fillRect/>
+                </a:stretch>
+              </a:blipFill>
+            </p:spPr>
+            <p:txBody>
+              <a:bodyPr/>
+              <a:lstStyle/>
+              <a:p>
+                <a:r>
+                  <a:rPr lang="zh-CN" altLang="en-US">
+                    <a:noFill/>
+                  </a:rPr>
+                  <a:t> </a:t>
+                </a:r>
+              </a:p>
+            </p:txBody>
+          </p:sp>
+        </mc:Fallback>
+      </mc:AlternateContent>
+      <mc:AlternateContent xmlns:mc="http://schemas.openxmlformats.org/markup-compatibility/2006">
+        <mc:Choice xmlns:a14="http://schemas.microsoft.com/office/drawing/2010/main" Requires="a14">
+          <p:sp>
+            <p:nvSpPr>
+              <p:cNvPr id="34" name="Rectangle 33">
+                <a:extLst>
+                  <a:ext uri="{FF2B5EF4-FFF2-40B4-BE49-F238E27FC236}">
+                    <a16:creationId xmlns:a16="http://schemas.microsoft.com/office/drawing/2014/main" id="{5737B4D9-D10B-4C0E-8C9D-F78BF8D9C79A}"/>
+                  </a:ext>
+                </a:extLst>
+              </p:cNvPr>
+              <p:cNvSpPr/>
+              <p:nvPr/>
+            </p:nvSpPr>
+            <p:spPr>
+              <a:xfrm>
+                <a:off x="1362791" y="9120569"/>
+                <a:ext cx="505267" cy="584775"/>
+              </a:xfrm>
+              <a:prstGeom prst="rect">
+                <a:avLst/>
+              </a:prstGeom>
+            </p:spPr>
+            <p:txBody>
+              <a:bodyPr wrap="none">
+                <a:spAutoFit/>
+              </a:bodyPr>
+              <a:lstStyle/>
+              <a:p>
+                <a:pPr/>
+                <a14:m>
+                  <m:oMathPara xmlns:m="http://schemas.openxmlformats.org/officeDocument/2006/math">
+                    <m:oMathParaPr>
+                      <m:jc m:val="centerGroup"/>
+                    </m:oMathParaPr>
+                    <m:oMath xmlns:m="http://schemas.openxmlformats.org/officeDocument/2006/math">
+                      <m:r>
+                        <a:rPr lang="en-US" altLang="zh-CN" sz="3200" i="1" dirty="0">
+                          <a:latin typeface="Cambria Math" panose="02040503050406030204" pitchFamily="18" charset="0"/>
+                        </a:rPr>
+                        <m:t>1</m:t>
+                      </m:r>
+                    </m:oMath>
+                  </m:oMathPara>
+                </a14:m>
+                <a:endParaRPr lang="zh-CN" altLang="en-US" sz="3200" dirty="0"/>
+              </a:p>
+            </p:txBody>
+          </p:sp>
+        </mc:Choice>
+        <mc:Fallback>
+          <p:sp>
+            <p:nvSpPr>
+              <p:cNvPr id="34" name="Rectangle 33">
+                <a:extLst>
+                  <a:ext uri="{FF2B5EF4-FFF2-40B4-BE49-F238E27FC236}">
+                    <a16:creationId xmlns:a16="http://schemas.microsoft.com/office/drawing/2014/main" id="{5737B4D9-D10B-4C0E-8C9D-F78BF8D9C79A}"/>
+                  </a:ext>
+                </a:extLst>
+              </p:cNvPr>
+              <p:cNvSpPr>
+                <a:spLocks noRot="1" noChangeAspect="1" noMove="1" noResize="1" noEditPoints="1" noAdjustHandles="1" noChangeArrowheads="1" noChangeShapeType="1" noTextEdit="1"/>
+              </p:cNvSpPr>
+              <p:nvPr/>
+            </p:nvSpPr>
+            <p:spPr>
+              <a:xfrm>
+                <a:off x="1362791" y="9120569"/>
+                <a:ext cx="505267" cy="584775"/>
+              </a:xfrm>
+              <a:prstGeom prst="rect">
+                <a:avLst/>
+              </a:prstGeom>
+              <a:blipFill>
+                <a:blip r:embed="rId12"/>
+                <a:stretch>
+                  <a:fillRect/>
+                </a:stretch>
+              </a:blipFill>
+            </p:spPr>
+            <p:txBody>
+              <a:bodyPr/>
+              <a:lstStyle/>
+              <a:p>
+                <a:r>
+                  <a:rPr lang="zh-CN" altLang="en-US">
+                    <a:noFill/>
+                  </a:rPr>
+                  <a:t> </a:t>
+                </a:r>
+              </a:p>
+            </p:txBody>
+          </p:sp>
+        </mc:Fallback>
+      </mc:AlternateContent>
+      <mc:AlternateContent xmlns:mc="http://schemas.openxmlformats.org/markup-compatibility/2006">
+        <mc:Choice xmlns:a14="http://schemas.microsoft.com/office/drawing/2010/main" Requires="a14">
+          <p:sp>
+            <p:nvSpPr>
+              <p:cNvPr id="35" name="Rectangle 34">
+                <a:extLst>
+                  <a:ext uri="{FF2B5EF4-FFF2-40B4-BE49-F238E27FC236}">
+                    <a16:creationId xmlns:a16="http://schemas.microsoft.com/office/drawing/2014/main" id="{D7B6D984-E871-4C10-A84A-FDD478BD630B}"/>
+                  </a:ext>
+                </a:extLst>
+              </p:cNvPr>
+              <p:cNvSpPr/>
+              <p:nvPr/>
+            </p:nvSpPr>
+            <p:spPr>
+              <a:xfrm>
+                <a:off x="7162778" y="6813232"/>
+                <a:ext cx="528093" cy="584775"/>
+              </a:xfrm>
+              <a:prstGeom prst="rect">
+                <a:avLst/>
+              </a:prstGeom>
+            </p:spPr>
+            <p:txBody>
+              <a:bodyPr wrap="none">
+                <a:spAutoFit/>
+              </a:bodyPr>
+              <a:lstStyle/>
+              <a:p>
+                <a:pPr/>
+                <a14:m>
+                  <m:oMathPara xmlns:m="http://schemas.openxmlformats.org/officeDocument/2006/math">
+                    <m:oMathParaPr>
+                      <m:jc m:val="centerGroup"/>
+                    </m:oMathParaPr>
+                    <m:oMath xmlns:m="http://schemas.openxmlformats.org/officeDocument/2006/math">
+                      <m:r>
+                        <a:rPr lang="en-US" altLang="zh-CN" sz="3200" b="0" i="1" dirty="0" smtClean="0">
+                          <a:latin typeface="Cambria Math" panose="02040503050406030204" pitchFamily="18" charset="0"/>
+                        </a:rPr>
+                        <m:t>𝜎</m:t>
+                      </m:r>
+                    </m:oMath>
+                  </m:oMathPara>
+                </a14:m>
+                <a:endParaRPr lang="zh-CN" altLang="en-US" sz="3200" dirty="0"/>
+              </a:p>
+            </p:txBody>
+          </p:sp>
+        </mc:Choice>
+        <mc:Fallback>
+          <p:sp>
+            <p:nvSpPr>
+              <p:cNvPr id="35" name="Rectangle 34">
+                <a:extLst>
+                  <a:ext uri="{FF2B5EF4-FFF2-40B4-BE49-F238E27FC236}">
+                    <a16:creationId xmlns:a16="http://schemas.microsoft.com/office/drawing/2014/main" id="{D7B6D984-E871-4C10-A84A-FDD478BD630B}"/>
+                  </a:ext>
+                </a:extLst>
+              </p:cNvPr>
+              <p:cNvSpPr>
+                <a:spLocks noRot="1" noChangeAspect="1" noMove="1" noResize="1" noEditPoints="1" noAdjustHandles="1" noChangeArrowheads="1" noChangeShapeType="1" noTextEdit="1"/>
+              </p:cNvSpPr>
+              <p:nvPr/>
+            </p:nvSpPr>
+            <p:spPr>
+              <a:xfrm>
+                <a:off x="7162778" y="6813232"/>
+                <a:ext cx="528093" cy="584775"/>
+              </a:xfrm>
+              <a:prstGeom prst="rect">
+                <a:avLst/>
+              </a:prstGeom>
+              <a:blipFill>
+                <a:blip r:embed="rId13"/>
+                <a:stretch>
+                  <a:fillRect/>
+                </a:stretch>
+              </a:blipFill>
+            </p:spPr>
+            <p:txBody>
+              <a:bodyPr/>
+              <a:lstStyle/>
+              <a:p>
+                <a:r>
+                  <a:rPr lang="zh-CN" altLang="en-US">
+                    <a:noFill/>
+                  </a:rPr>
+                  <a:t> </a:t>
+                </a:r>
+              </a:p>
+            </p:txBody>
+          </p:sp>
+        </mc:Fallback>
+      </mc:AlternateContent>
+      <mc:AlternateContent xmlns:mc="http://schemas.openxmlformats.org/markup-compatibility/2006">
+        <mc:Choice xmlns:a14="http://schemas.microsoft.com/office/drawing/2010/main" Requires="a14">
+          <p:sp>
+            <p:nvSpPr>
+              <p:cNvPr id="36" name="Rectangle 35">
+                <a:extLst>
+                  <a:ext uri="{FF2B5EF4-FFF2-40B4-BE49-F238E27FC236}">
+                    <a16:creationId xmlns:a16="http://schemas.microsoft.com/office/drawing/2014/main" id="{3F726807-139E-4373-9B94-E7DDC6AD9018}"/>
+                  </a:ext>
+                </a:extLst>
+              </p:cNvPr>
+              <p:cNvSpPr/>
+              <p:nvPr/>
+            </p:nvSpPr>
+            <p:spPr>
+              <a:xfrm>
+                <a:off x="494918" y="6886901"/>
+                <a:ext cx="505267" cy="584775"/>
+              </a:xfrm>
+              <a:prstGeom prst="rect">
+                <a:avLst/>
+              </a:prstGeom>
+            </p:spPr>
+            <p:txBody>
+              <a:bodyPr wrap="none">
+                <a:spAutoFit/>
+              </a:bodyPr>
+              <a:lstStyle/>
+              <a:p>
+                <a:pPr/>
+                <a14:m>
+                  <m:oMathPara xmlns:m="http://schemas.openxmlformats.org/officeDocument/2006/math">
+                    <m:oMathParaPr>
+                      <m:jc m:val="centerGroup"/>
+                    </m:oMathParaPr>
+                    <m:oMath xmlns:m="http://schemas.openxmlformats.org/officeDocument/2006/math">
+                      <m:r>
+                        <a:rPr lang="en-US" altLang="zh-CN" sz="3200" i="1" dirty="0">
+                          <a:latin typeface="Cambria Math" panose="02040503050406030204" pitchFamily="18" charset="0"/>
+                        </a:rPr>
+                        <m:t>1</m:t>
+                      </m:r>
+                    </m:oMath>
+                  </m:oMathPara>
+                </a14:m>
+                <a:endParaRPr lang="zh-CN" altLang="en-US" sz="3200" dirty="0"/>
+              </a:p>
+            </p:txBody>
+          </p:sp>
+        </mc:Choice>
+        <mc:Fallback>
+          <p:sp>
+            <p:nvSpPr>
+              <p:cNvPr id="36" name="Rectangle 35">
+                <a:extLst>
+                  <a:ext uri="{FF2B5EF4-FFF2-40B4-BE49-F238E27FC236}">
+                    <a16:creationId xmlns:a16="http://schemas.microsoft.com/office/drawing/2014/main" id="{3F726807-139E-4373-9B94-E7DDC6AD9018}"/>
+                  </a:ext>
+                </a:extLst>
+              </p:cNvPr>
+              <p:cNvSpPr>
+                <a:spLocks noRot="1" noChangeAspect="1" noMove="1" noResize="1" noEditPoints="1" noAdjustHandles="1" noChangeArrowheads="1" noChangeShapeType="1" noTextEdit="1"/>
+              </p:cNvSpPr>
+              <p:nvPr/>
+            </p:nvSpPr>
+            <p:spPr>
+              <a:xfrm>
+                <a:off x="494918" y="6886901"/>
+                <a:ext cx="505267" cy="584775"/>
+              </a:xfrm>
+              <a:prstGeom prst="rect">
+                <a:avLst/>
+              </a:prstGeom>
+              <a:blipFill>
+                <a:blip r:embed="rId14"/>
+                <a:stretch>
+                  <a:fillRect/>
+                </a:stretch>
+              </a:blipFill>
+            </p:spPr>
+            <p:txBody>
+              <a:bodyPr/>
+              <a:lstStyle/>
+              <a:p>
+                <a:r>
+                  <a:rPr lang="zh-CN" altLang="en-US">
+                    <a:noFill/>
+                  </a:rPr>
+                  <a:t> </a:t>
+                </a:r>
+              </a:p>
+            </p:txBody>
+          </p:sp>
+        </mc:Fallback>
+      </mc:AlternateContent>
+      <mc:AlternateContent xmlns:mc="http://schemas.openxmlformats.org/markup-compatibility/2006">
+        <mc:Choice xmlns:a14="http://schemas.microsoft.com/office/drawing/2010/main" Requires="a14">
+          <p:sp>
+            <p:nvSpPr>
+              <p:cNvPr id="37" name="TextBox 36">
+                <a:extLst>
+                  <a:ext uri="{FF2B5EF4-FFF2-40B4-BE49-F238E27FC236}">
+                    <a16:creationId xmlns:a16="http://schemas.microsoft.com/office/drawing/2014/main" id="{E6BC580C-D3C5-4C07-9E5F-C0B4FB973274}"/>
+                  </a:ext>
+                </a:extLst>
+              </p:cNvPr>
+              <p:cNvSpPr txBox="1"/>
+              <p:nvPr/>
+            </p:nvSpPr>
+            <p:spPr>
+              <a:xfrm>
+                <a:off x="4874465" y="5520182"/>
+                <a:ext cx="3448095" cy="646331"/>
+              </a:xfrm>
+              <a:prstGeom prst="rect">
+                <a:avLst/>
+              </a:prstGeom>
+              <a:noFill/>
+            </p:spPr>
+            <p:txBody>
+              <a:bodyPr wrap="square" rtlCol="0">
+                <a:spAutoFit/>
+              </a:bodyPr>
+              <a:lstStyle/>
+              <a:p>
+                <a:pPr/>
+                <a14:m>
+                  <m:oMathPara xmlns:m="http://schemas.openxmlformats.org/officeDocument/2006/math">
+                    <m:oMathParaPr>
+                      <m:jc m:val="centerGroup"/>
+                    </m:oMathParaPr>
+                    <m:oMath xmlns:m="http://schemas.openxmlformats.org/officeDocument/2006/math">
+                      <m:r>
+                        <a:rPr lang="en-US" altLang="zh-CN" sz="3600" i="1" dirty="0" smtClean="0">
+                          <a:latin typeface="Cambria Math" panose="02040503050406030204" pitchFamily="18" charset="0"/>
+                        </a:rPr>
+                        <m:t>𝜎</m:t>
+                      </m:r>
+                      <m:r>
+                        <a:rPr lang="en-US" altLang="zh-CN" sz="3600" i="1" dirty="0" smtClean="0">
+                          <a:latin typeface="Cambria Math" panose="02040503050406030204" pitchFamily="18" charset="0"/>
+                        </a:rPr>
+                        <m:t>            </m:t>
+                      </m:r>
+                      <m:r>
+                        <a:rPr lang="en-US" altLang="zh-CN" sz="3600" i="1" dirty="0" smtClean="0">
+                          <a:latin typeface="Cambria Math" panose="02040503050406030204" pitchFamily="18" charset="0"/>
+                        </a:rPr>
+                        <m:t>𝜎</m:t>
+                      </m:r>
+                      <m:r>
+                        <a:rPr lang="en-US" altLang="zh-CN" sz="3600" i="1" dirty="0" smtClean="0">
+                          <a:latin typeface="Cambria Math" panose="02040503050406030204" pitchFamily="18" charset="0"/>
+                        </a:rPr>
+                        <m:t>           1 </m:t>
+                      </m:r>
+                    </m:oMath>
+                  </m:oMathPara>
+                </a14:m>
+                <a:endParaRPr lang="zh-CN" altLang="en-US" sz="3600" dirty="0"/>
+              </a:p>
+            </p:txBody>
+          </p:sp>
+        </mc:Choice>
+        <mc:Fallback>
+          <p:sp>
+            <p:nvSpPr>
+              <p:cNvPr id="37" name="TextBox 36">
+                <a:extLst>
+                  <a:ext uri="{FF2B5EF4-FFF2-40B4-BE49-F238E27FC236}">
+                    <a16:creationId xmlns:a16="http://schemas.microsoft.com/office/drawing/2014/main" id="{E6BC580C-D3C5-4C07-9E5F-C0B4FB973274}"/>
+                  </a:ext>
+                </a:extLst>
+              </p:cNvPr>
+              <p:cNvSpPr txBox="1">
+                <a:spLocks noRot="1" noChangeAspect="1" noMove="1" noResize="1" noEditPoints="1" noAdjustHandles="1" noChangeArrowheads="1" noChangeShapeType="1" noTextEdit="1"/>
+              </p:cNvSpPr>
+              <p:nvPr/>
+            </p:nvSpPr>
+            <p:spPr>
+              <a:xfrm>
+                <a:off x="4874465" y="5520182"/>
+                <a:ext cx="3448095" cy="646331"/>
+              </a:xfrm>
+              <a:prstGeom prst="rect">
+                <a:avLst/>
+              </a:prstGeom>
+              <a:blipFill>
+                <a:blip r:embed="rId15"/>
                 <a:stretch>
                   <a:fillRect/>
                 </a:stretch>
@@ -9601,8 +10624,8 @@
             </a:p>
           </p:txBody>
         </p:sp>
-        <mc:AlternateContent xmlns:mc="http://schemas.openxmlformats.org/markup-compatibility/2006">
-          <mc:Choice xmlns:a14="http://schemas.microsoft.com/office/drawing/2010/main" Requires="a14">
+        <mc:AlternateContent xmlns:mc="http://schemas.openxmlformats.org/markup-compatibility/2006" xmlns:a14="http://schemas.microsoft.com/office/drawing/2010/main">
+          <mc:Choice Requires="a14">
             <p:sp>
               <p:nvSpPr>
                 <p:cNvPr id="7" name="TextBox 6">
@@ -9650,7 +10673,7 @@
               </p:txBody>
             </p:sp>
           </mc:Choice>
-          <mc:Fallback>
+          <mc:Fallback xmlns="">
             <p:sp>
               <p:nvSpPr>
                 <p:cNvPr id="7" name="TextBox 6">
@@ -9755,8 +10778,8 @@
             <a:chExt cx="2514401" cy="2093187"/>
           </a:xfrm>
         </p:grpSpPr>
-        <mc:AlternateContent xmlns:mc="http://schemas.openxmlformats.org/markup-compatibility/2006">
-          <mc:Choice xmlns:a14="http://schemas.microsoft.com/office/drawing/2010/main" Requires="a14">
+        <mc:AlternateContent xmlns:mc="http://schemas.openxmlformats.org/markup-compatibility/2006" xmlns:a14="http://schemas.microsoft.com/office/drawing/2010/main">
+          <mc:Choice Requires="a14">
             <p:sp>
               <p:nvSpPr>
                 <p:cNvPr id="24" name="TextBox 23">
@@ -9785,6 +10808,7 @@
                 </a:bodyPr>
                 <a:lstStyle/>
                 <a:p>
+                  <a:pPr/>
                   <a14:m>
                     <m:oMathPara xmlns:m="http://schemas.openxmlformats.org/officeDocument/2006/math">
                       <m:oMathParaPr>
@@ -9805,7 +10829,7 @@
               </p:txBody>
             </p:sp>
           </mc:Choice>
-          <mc:Fallback>
+          <mc:Fallback xmlns="">
             <p:sp>
               <p:nvSpPr>
                 <p:cNvPr id="24" name="TextBox 23">
@@ -10290,8 +11314,8 @@
             </a:p>
           </p:txBody>
         </p:sp>
-        <mc:AlternateContent xmlns:mc="http://schemas.openxmlformats.org/markup-compatibility/2006">
-          <mc:Choice xmlns:a14="http://schemas.microsoft.com/office/drawing/2010/main" Requires="a14">
+        <mc:AlternateContent xmlns:mc="http://schemas.openxmlformats.org/markup-compatibility/2006" xmlns:a14="http://schemas.microsoft.com/office/drawing/2010/main">
+          <mc:Choice Requires="a14">
             <p:sp>
               <p:nvSpPr>
                 <p:cNvPr id="39" name="TextBox 38">
@@ -10341,7 +11365,7 @@
               </p:txBody>
             </p:sp>
           </mc:Choice>
-          <mc:Fallback>
+          <mc:Fallback xmlns="">
             <p:sp>
               <p:nvSpPr>
                 <p:cNvPr id="39" name="TextBox 38">
@@ -10657,8 +11681,8 @@
             </a:p>
           </p:txBody>
         </p:sp>
-        <mc:AlternateContent xmlns:mc="http://schemas.openxmlformats.org/markup-compatibility/2006">
-          <mc:Choice xmlns:a14="http://schemas.microsoft.com/office/drawing/2010/main" Requires="a14">
+        <mc:AlternateContent xmlns:mc="http://schemas.openxmlformats.org/markup-compatibility/2006" xmlns:a14="http://schemas.microsoft.com/office/drawing/2010/main">
+          <mc:Choice Requires="a14">
             <p:sp>
               <p:nvSpPr>
                 <p:cNvPr id="46" name="TextBox 45">
@@ -10708,7 +11732,7 @@
               </p:txBody>
             </p:sp>
           </mc:Choice>
-          <mc:Fallback>
+          <mc:Fallback xmlns="">
             <p:sp>
               <p:nvSpPr>
                 <p:cNvPr id="46" name="TextBox 45">
@@ -11353,8 +12377,8 @@
           </a:fontRef>
         </p:style>
       </p:cxnSp>
-      <mc:AlternateContent xmlns:mc="http://schemas.openxmlformats.org/markup-compatibility/2006">
-        <mc:Choice xmlns:a14="http://schemas.microsoft.com/office/drawing/2010/main" Requires="a14">
+      <mc:AlternateContent xmlns:mc="http://schemas.openxmlformats.org/markup-compatibility/2006" xmlns:a14="http://schemas.microsoft.com/office/drawing/2010/main">
+        <mc:Choice Requires="a14">
           <p:sp>
             <p:nvSpPr>
               <p:cNvPr id="57" name="TextBox 56">
@@ -11383,6 +12407,7 @@
               </a:bodyPr>
               <a:lstStyle/>
               <a:p>
+                <a:pPr/>
                 <a14:m>
                   <m:oMathPara xmlns:m="http://schemas.openxmlformats.org/officeDocument/2006/math">
                     <m:oMathParaPr>
@@ -11439,7 +12464,7 @@
             </p:txBody>
           </p:sp>
         </mc:Choice>
-        <mc:Fallback>
+        <mc:Fallback xmlns="">
           <p:sp>
             <p:nvSpPr>
               <p:cNvPr id="57" name="TextBox 56">
@@ -11484,8 +12509,8 @@
           </p:sp>
         </mc:Fallback>
       </mc:AlternateContent>
-      <mc:AlternateContent xmlns:mc="http://schemas.openxmlformats.org/markup-compatibility/2006">
-        <mc:Choice xmlns:a14="http://schemas.microsoft.com/office/drawing/2010/main" Requires="a14">
+      <mc:AlternateContent xmlns:mc="http://schemas.openxmlformats.org/markup-compatibility/2006" xmlns:a14="http://schemas.microsoft.com/office/drawing/2010/main">
+        <mc:Choice Requires="a14">
           <p:sp>
             <p:nvSpPr>
               <p:cNvPr id="75" name="TextBox 74">
@@ -11514,6 +12539,7 @@
               </a:bodyPr>
               <a:lstStyle/>
               <a:p>
+                <a:pPr/>
                 <a14:m>
                   <m:oMathPara xmlns:m="http://schemas.openxmlformats.org/officeDocument/2006/math">
                     <m:oMathParaPr>
@@ -11570,7 +12596,7 @@
             </p:txBody>
           </p:sp>
         </mc:Choice>
-        <mc:Fallback>
+        <mc:Fallback xmlns="">
           <p:sp>
             <p:nvSpPr>
               <p:cNvPr id="75" name="TextBox 74">
@@ -11615,8 +12641,8 @@
           </p:sp>
         </mc:Fallback>
       </mc:AlternateContent>
-      <mc:AlternateContent xmlns:mc="http://schemas.openxmlformats.org/markup-compatibility/2006">
-        <mc:Choice xmlns:a14="http://schemas.microsoft.com/office/drawing/2010/main" Requires="a14">
+      <mc:AlternateContent xmlns:mc="http://schemas.openxmlformats.org/markup-compatibility/2006" xmlns:a14="http://schemas.microsoft.com/office/drawing/2010/main">
+        <mc:Choice Requires="a14">
           <p:sp>
             <p:nvSpPr>
               <p:cNvPr id="76" name="TextBox 75">
@@ -11645,6 +12671,7 @@
               </a:bodyPr>
               <a:lstStyle/>
               <a:p>
+                <a:pPr/>
                 <a14:m>
                   <m:oMathPara xmlns:m="http://schemas.openxmlformats.org/officeDocument/2006/math">
                     <m:oMathParaPr>
@@ -11701,7 +12728,7 @@
             </p:txBody>
           </p:sp>
         </mc:Choice>
-        <mc:Fallback>
+        <mc:Fallback xmlns="">
           <p:sp>
             <p:nvSpPr>
               <p:cNvPr id="76" name="TextBox 75">
@@ -11746,8 +12773,8 @@
           </p:sp>
         </mc:Fallback>
       </mc:AlternateContent>
-      <mc:AlternateContent xmlns:mc="http://schemas.openxmlformats.org/markup-compatibility/2006">
-        <mc:Choice xmlns:a14="http://schemas.microsoft.com/office/drawing/2010/main" Requires="a14">
+      <mc:AlternateContent xmlns:mc="http://schemas.openxmlformats.org/markup-compatibility/2006" xmlns:a14="http://schemas.microsoft.com/office/drawing/2010/main">
+        <mc:Choice Requires="a14">
           <p:sp>
             <p:nvSpPr>
               <p:cNvPr id="77" name="TextBox 76">
@@ -11776,6 +12803,7 @@
               </a:bodyPr>
               <a:lstStyle/>
               <a:p>
+                <a:pPr/>
                 <a14:m>
                   <m:oMathPara xmlns:m="http://schemas.openxmlformats.org/officeDocument/2006/math">
                     <m:oMathParaPr>
@@ -11832,7 +12860,7 @@
             </p:txBody>
           </p:sp>
         </mc:Choice>
-        <mc:Fallback>
+        <mc:Fallback xmlns="">
           <p:sp>
             <p:nvSpPr>
               <p:cNvPr id="77" name="TextBox 76">
@@ -11877,8 +12905,8 @@
           </p:sp>
         </mc:Fallback>
       </mc:AlternateContent>
-      <mc:AlternateContent xmlns:mc="http://schemas.openxmlformats.org/markup-compatibility/2006">
-        <mc:Choice xmlns:a14="http://schemas.microsoft.com/office/drawing/2010/main" Requires="a14">
+      <mc:AlternateContent xmlns:mc="http://schemas.openxmlformats.org/markup-compatibility/2006" xmlns:a14="http://schemas.microsoft.com/office/drawing/2010/main">
+        <mc:Choice Requires="a14">
           <p:sp>
             <p:nvSpPr>
               <p:cNvPr id="78" name="TextBox 77">
@@ -11907,6 +12935,7 @@
               </a:bodyPr>
               <a:lstStyle/>
               <a:p>
+                <a:pPr/>
                 <a14:m>
                   <m:oMathPara xmlns:m="http://schemas.openxmlformats.org/officeDocument/2006/math">
                     <m:oMathParaPr>
@@ -11963,7 +12992,7 @@
             </p:txBody>
           </p:sp>
         </mc:Choice>
-        <mc:Fallback>
+        <mc:Fallback xmlns="">
           <p:sp>
             <p:nvSpPr>
               <p:cNvPr id="78" name="TextBox 77">
@@ -12008,8 +13037,8 @@
           </p:sp>
         </mc:Fallback>
       </mc:AlternateContent>
-      <mc:AlternateContent xmlns:mc="http://schemas.openxmlformats.org/markup-compatibility/2006">
-        <mc:Choice xmlns:a14="http://schemas.microsoft.com/office/drawing/2010/main" Requires="a14">
+      <mc:AlternateContent xmlns:mc="http://schemas.openxmlformats.org/markup-compatibility/2006" xmlns:a14="http://schemas.microsoft.com/office/drawing/2010/main">
+        <mc:Choice Requires="a14">
           <p:sp>
             <p:nvSpPr>
               <p:cNvPr id="12" name="TextBox 11">
@@ -12038,6 +13067,7 @@
               </a:bodyPr>
               <a:lstStyle/>
               <a:p>
+                <a:pPr/>
                 <a14:m>
                   <m:oMathPara xmlns:m="http://schemas.openxmlformats.org/officeDocument/2006/math">
                     <m:oMathParaPr>
@@ -12091,7 +13121,7 @@
             </p:txBody>
           </p:sp>
         </mc:Choice>
-        <mc:Fallback>
+        <mc:Fallback xmlns="">
           <p:sp>
             <p:nvSpPr>
               <p:cNvPr id="12" name="TextBox 11">
@@ -12136,8 +13166,8 @@
           </p:sp>
         </mc:Fallback>
       </mc:AlternateContent>
-      <mc:AlternateContent xmlns:mc="http://schemas.openxmlformats.org/markup-compatibility/2006">
-        <mc:Choice xmlns:a14="http://schemas.microsoft.com/office/drawing/2010/main" Requires="a14">
+      <mc:AlternateContent xmlns:mc="http://schemas.openxmlformats.org/markup-compatibility/2006" xmlns:a14="http://schemas.microsoft.com/office/drawing/2010/main">
+        <mc:Choice Requires="a14">
           <p:sp>
             <p:nvSpPr>
               <p:cNvPr id="18" name="TextBox 17">
@@ -12166,6 +13196,7 @@
               </a:bodyPr>
               <a:lstStyle/>
               <a:p>
+                <a:pPr/>
                 <a14:m>
                   <m:oMathPara xmlns:m="http://schemas.openxmlformats.org/officeDocument/2006/math">
                     <m:oMathParaPr>
@@ -12186,7 +13217,7 @@
             </p:txBody>
           </p:sp>
         </mc:Choice>
-        <mc:Fallback>
+        <mc:Fallback xmlns="">
           <p:sp>
             <p:nvSpPr>
               <p:cNvPr id="18" name="TextBox 17">
@@ -12231,8 +13262,8 @@
           </p:sp>
         </mc:Fallback>
       </mc:AlternateContent>
-      <mc:AlternateContent xmlns:mc="http://schemas.openxmlformats.org/markup-compatibility/2006">
-        <mc:Choice xmlns:a14="http://schemas.microsoft.com/office/drawing/2010/main" Requires="a14">
+      <mc:AlternateContent xmlns:mc="http://schemas.openxmlformats.org/markup-compatibility/2006" xmlns:a14="http://schemas.microsoft.com/office/drawing/2010/main">
+        <mc:Choice Requires="a14">
           <p:sp>
             <p:nvSpPr>
               <p:cNvPr id="85" name="TextBox 84">
@@ -12261,6 +13292,7 @@
               </a:bodyPr>
               <a:lstStyle/>
               <a:p>
+                <a:pPr/>
                 <a14:m>
                   <m:oMathPara xmlns:m="http://schemas.openxmlformats.org/officeDocument/2006/math">
                     <m:oMathParaPr>
@@ -12281,7 +13313,7 @@
             </p:txBody>
           </p:sp>
         </mc:Choice>
-        <mc:Fallback>
+        <mc:Fallback xmlns="">
           <p:sp>
             <p:nvSpPr>
               <p:cNvPr id="85" name="TextBox 84">
@@ -12326,8 +13358,8 @@
           </p:sp>
         </mc:Fallback>
       </mc:AlternateContent>
-      <mc:AlternateContent xmlns:mc="http://schemas.openxmlformats.org/markup-compatibility/2006">
-        <mc:Choice xmlns:a14="http://schemas.microsoft.com/office/drawing/2010/main" Requires="a14">
+      <mc:AlternateContent xmlns:mc="http://schemas.openxmlformats.org/markup-compatibility/2006" xmlns:a14="http://schemas.microsoft.com/office/drawing/2010/main">
+        <mc:Choice Requires="a14">
           <p:sp>
             <p:nvSpPr>
               <p:cNvPr id="86" name="TextBox 85">
@@ -12356,6 +13388,7 @@
               </a:bodyPr>
               <a:lstStyle/>
               <a:p>
+                <a:pPr/>
                 <a14:m>
                   <m:oMathPara xmlns:m="http://schemas.openxmlformats.org/officeDocument/2006/math">
                     <m:oMathParaPr>
@@ -12376,7 +13409,7 @@
             </p:txBody>
           </p:sp>
         </mc:Choice>
-        <mc:Fallback>
+        <mc:Fallback xmlns="">
           <p:sp>
             <p:nvSpPr>
               <p:cNvPr id="86" name="TextBox 85">
@@ -12421,8 +13454,8 @@
           </p:sp>
         </mc:Fallback>
       </mc:AlternateContent>
-      <mc:AlternateContent xmlns:mc="http://schemas.openxmlformats.org/markup-compatibility/2006">
-        <mc:Choice xmlns:a14="http://schemas.microsoft.com/office/drawing/2010/main" Requires="a14">
+      <mc:AlternateContent xmlns:mc="http://schemas.openxmlformats.org/markup-compatibility/2006" xmlns:a14="http://schemas.microsoft.com/office/drawing/2010/main">
+        <mc:Choice Requires="a14">
           <p:sp>
             <p:nvSpPr>
               <p:cNvPr id="87" name="TextBox 86">
@@ -12451,6 +13484,7 @@
               </a:bodyPr>
               <a:lstStyle/>
               <a:p>
+                <a:pPr/>
                 <a14:m>
                   <m:oMathPara xmlns:m="http://schemas.openxmlformats.org/officeDocument/2006/math">
                     <m:oMathParaPr>
@@ -12471,7 +13505,7 @@
             </p:txBody>
           </p:sp>
         </mc:Choice>
-        <mc:Fallback>
+        <mc:Fallback xmlns="">
           <p:sp>
             <p:nvSpPr>
               <p:cNvPr id="87" name="TextBox 86">
@@ -12516,8 +13550,8 @@
           </p:sp>
         </mc:Fallback>
       </mc:AlternateContent>
-      <mc:AlternateContent xmlns:mc="http://schemas.openxmlformats.org/markup-compatibility/2006">
-        <mc:Choice xmlns:a14="http://schemas.microsoft.com/office/drawing/2010/main" Requires="a14">
+      <mc:AlternateContent xmlns:mc="http://schemas.openxmlformats.org/markup-compatibility/2006" xmlns:a14="http://schemas.microsoft.com/office/drawing/2010/main">
+        <mc:Choice Requires="a14">
           <p:sp>
             <p:nvSpPr>
               <p:cNvPr id="88" name="TextBox 87">
@@ -12546,6 +13580,7 @@
               </a:bodyPr>
               <a:lstStyle/>
               <a:p>
+                <a:pPr/>
                 <a14:m>
                   <m:oMathPara xmlns:m="http://schemas.openxmlformats.org/officeDocument/2006/math">
                     <m:oMathParaPr>
@@ -12566,7 +13601,7 @@
             </p:txBody>
           </p:sp>
         </mc:Choice>
-        <mc:Fallback>
+        <mc:Fallback xmlns="">
           <p:sp>
             <p:nvSpPr>
               <p:cNvPr id="88" name="TextBox 87">
@@ -12611,8 +13646,8 @@
           </p:sp>
         </mc:Fallback>
       </mc:AlternateContent>
-      <mc:AlternateContent xmlns:mc="http://schemas.openxmlformats.org/markup-compatibility/2006">
-        <mc:Choice xmlns:a14="http://schemas.microsoft.com/office/drawing/2010/main" Requires="a14">
+      <mc:AlternateContent xmlns:mc="http://schemas.openxmlformats.org/markup-compatibility/2006" xmlns:a14="http://schemas.microsoft.com/office/drawing/2010/main">
+        <mc:Choice Requires="a14">
           <p:sp>
             <p:nvSpPr>
               <p:cNvPr id="89" name="TextBox 88">
@@ -12641,6 +13676,7 @@
               </a:bodyPr>
               <a:lstStyle/>
               <a:p>
+                <a:pPr/>
                 <a14:m>
                   <m:oMathPara xmlns:m="http://schemas.openxmlformats.org/officeDocument/2006/math">
                     <m:oMathParaPr>
@@ -12694,7 +13730,7 @@
             </p:txBody>
           </p:sp>
         </mc:Choice>
-        <mc:Fallback>
+        <mc:Fallback xmlns="">
           <p:sp>
             <p:nvSpPr>
               <p:cNvPr id="89" name="TextBox 88">
@@ -12739,8 +13775,8 @@
           </p:sp>
         </mc:Fallback>
       </mc:AlternateContent>
-      <mc:AlternateContent xmlns:mc="http://schemas.openxmlformats.org/markup-compatibility/2006">
-        <mc:Choice xmlns:a14="http://schemas.microsoft.com/office/drawing/2010/main" Requires="a14">
+      <mc:AlternateContent xmlns:mc="http://schemas.openxmlformats.org/markup-compatibility/2006" xmlns:a14="http://schemas.microsoft.com/office/drawing/2010/main">
+        <mc:Choice Requires="a14">
           <p:sp>
             <p:nvSpPr>
               <p:cNvPr id="90" name="TextBox 89">
@@ -12769,6 +13805,7 @@
               </a:bodyPr>
               <a:lstStyle/>
               <a:p>
+                <a:pPr/>
                 <a14:m>
                   <m:oMathPara xmlns:m="http://schemas.openxmlformats.org/officeDocument/2006/math">
                     <m:oMathParaPr>
@@ -12816,7 +13853,7 @@
             </p:txBody>
           </p:sp>
         </mc:Choice>
-        <mc:Fallback>
+        <mc:Fallback xmlns="">
           <p:sp>
             <p:nvSpPr>
               <p:cNvPr id="90" name="TextBox 89">
@@ -12861,8 +13898,8 @@
           </p:sp>
         </mc:Fallback>
       </mc:AlternateContent>
-      <mc:AlternateContent xmlns:mc="http://schemas.openxmlformats.org/markup-compatibility/2006">
-        <mc:Choice xmlns:a14="http://schemas.microsoft.com/office/drawing/2010/main" Requires="a14">
+      <mc:AlternateContent xmlns:mc="http://schemas.openxmlformats.org/markup-compatibility/2006" xmlns:a14="http://schemas.microsoft.com/office/drawing/2010/main">
+        <mc:Choice Requires="a14">
           <p:sp>
             <p:nvSpPr>
               <p:cNvPr id="91" name="TextBox 90">
@@ -12891,6 +13928,7 @@
               </a:bodyPr>
               <a:lstStyle/>
               <a:p>
+                <a:pPr/>
                 <a14:m>
                   <m:oMathPara xmlns:m="http://schemas.openxmlformats.org/officeDocument/2006/math">
                     <m:oMathParaPr>
@@ -12950,7 +13988,7 @@
             </p:txBody>
           </p:sp>
         </mc:Choice>
-        <mc:Fallback>
+        <mc:Fallback xmlns="">
           <p:sp>
             <p:nvSpPr>
               <p:cNvPr id="91" name="TextBox 90">
@@ -12995,8 +14033,8 @@
           </p:sp>
         </mc:Fallback>
       </mc:AlternateContent>
-      <mc:AlternateContent xmlns:mc="http://schemas.openxmlformats.org/markup-compatibility/2006">
-        <mc:Choice xmlns:a14="http://schemas.microsoft.com/office/drawing/2010/main" Requires="a14">
+      <mc:AlternateContent xmlns:mc="http://schemas.openxmlformats.org/markup-compatibility/2006" xmlns:a14="http://schemas.microsoft.com/office/drawing/2010/main">
+        <mc:Choice Requires="a14">
           <p:sp>
             <p:nvSpPr>
               <p:cNvPr id="92" name="TextBox 91">
@@ -13025,6 +14063,7 @@
               </a:bodyPr>
               <a:lstStyle/>
               <a:p>
+                <a:pPr/>
                 <a14:m>
                   <m:oMathPara xmlns:m="http://schemas.openxmlformats.org/officeDocument/2006/math">
                     <m:oMathParaPr>
@@ -13114,7 +14153,7 @@
             </p:txBody>
           </p:sp>
         </mc:Choice>
-        <mc:Fallback>
+        <mc:Fallback xmlns="">
           <p:sp>
             <p:nvSpPr>
               <p:cNvPr id="92" name="TextBox 91">
@@ -13399,8 +14438,8 @@
             </a:p>
           </p:txBody>
         </p:sp>
-        <mc:AlternateContent xmlns:mc="http://schemas.openxmlformats.org/markup-compatibility/2006">
-          <mc:Choice xmlns:a14="http://schemas.microsoft.com/office/drawing/2010/main" Requires="a14">
+        <mc:AlternateContent xmlns:mc="http://schemas.openxmlformats.org/markup-compatibility/2006" xmlns:a14="http://schemas.microsoft.com/office/drawing/2010/main">
+          <mc:Choice Requires="a14">
             <p:sp>
               <p:nvSpPr>
                 <p:cNvPr id="7" name="TextBox 6">
@@ -13448,7 +14487,7 @@
               </p:txBody>
             </p:sp>
           </mc:Choice>
-          <mc:Fallback>
+          <mc:Fallback xmlns="">
             <p:sp>
               <p:nvSpPr>
                 <p:cNvPr id="7" name="TextBox 6">
@@ -13553,8 +14592,8 @@
             <a:chExt cx="2514401" cy="2093187"/>
           </a:xfrm>
         </p:grpSpPr>
-        <mc:AlternateContent xmlns:mc="http://schemas.openxmlformats.org/markup-compatibility/2006">
-          <mc:Choice xmlns:a14="http://schemas.microsoft.com/office/drawing/2010/main" Requires="a14">
+        <mc:AlternateContent xmlns:mc="http://schemas.openxmlformats.org/markup-compatibility/2006" xmlns:a14="http://schemas.microsoft.com/office/drawing/2010/main">
+          <mc:Choice Requires="a14">
             <p:sp>
               <p:nvSpPr>
                 <p:cNvPr id="24" name="TextBox 23">
@@ -13583,6 +14622,7 @@
                 </a:bodyPr>
                 <a:lstStyle/>
                 <a:p>
+                  <a:pPr/>
                   <a14:m>
                     <m:oMathPara xmlns:m="http://schemas.openxmlformats.org/officeDocument/2006/math">
                       <m:oMathParaPr>
@@ -13603,7 +14643,7 @@
               </p:txBody>
             </p:sp>
           </mc:Choice>
-          <mc:Fallback>
+          <mc:Fallback xmlns="">
             <p:sp>
               <p:nvSpPr>
                 <p:cNvPr id="24" name="TextBox 23">
@@ -14088,8 +15128,8 @@
             </a:p>
           </p:txBody>
         </p:sp>
-        <mc:AlternateContent xmlns:mc="http://schemas.openxmlformats.org/markup-compatibility/2006">
-          <mc:Choice xmlns:a14="http://schemas.microsoft.com/office/drawing/2010/main" Requires="a14">
+        <mc:AlternateContent xmlns:mc="http://schemas.openxmlformats.org/markup-compatibility/2006" xmlns:a14="http://schemas.microsoft.com/office/drawing/2010/main">
+          <mc:Choice Requires="a14">
             <p:sp>
               <p:nvSpPr>
                 <p:cNvPr id="39" name="TextBox 38">
@@ -14139,7 +15179,7 @@
               </p:txBody>
             </p:sp>
           </mc:Choice>
-          <mc:Fallback>
+          <mc:Fallback xmlns="">
             <p:sp>
               <p:nvSpPr>
                 <p:cNvPr id="39" name="TextBox 38">
@@ -14455,8 +15495,8 @@
             </a:p>
           </p:txBody>
         </p:sp>
-        <mc:AlternateContent xmlns:mc="http://schemas.openxmlformats.org/markup-compatibility/2006">
-          <mc:Choice xmlns:a14="http://schemas.microsoft.com/office/drawing/2010/main" Requires="a14">
+        <mc:AlternateContent xmlns:mc="http://schemas.openxmlformats.org/markup-compatibility/2006" xmlns:a14="http://schemas.microsoft.com/office/drawing/2010/main">
+          <mc:Choice Requires="a14">
             <p:sp>
               <p:nvSpPr>
                 <p:cNvPr id="46" name="TextBox 45">
@@ -14506,7 +15546,7 @@
               </p:txBody>
             </p:sp>
           </mc:Choice>
-          <mc:Fallback>
+          <mc:Fallback xmlns="">
             <p:sp>
               <p:nvSpPr>
                 <p:cNvPr id="46" name="TextBox 45">
@@ -15151,8 +16191,8 @@
           </a:fontRef>
         </p:style>
       </p:cxnSp>
-      <mc:AlternateContent xmlns:mc="http://schemas.openxmlformats.org/markup-compatibility/2006">
-        <mc:Choice xmlns:a14="http://schemas.microsoft.com/office/drawing/2010/main" Requires="a14">
+      <mc:AlternateContent xmlns:mc="http://schemas.openxmlformats.org/markup-compatibility/2006" xmlns:a14="http://schemas.microsoft.com/office/drawing/2010/main">
+        <mc:Choice Requires="a14">
           <p:sp>
             <p:nvSpPr>
               <p:cNvPr id="57" name="TextBox 56">
@@ -15181,6 +16221,7 @@
               </a:bodyPr>
               <a:lstStyle/>
               <a:p>
+                <a:pPr/>
                 <a14:m>
                   <m:oMathPara xmlns:m="http://schemas.openxmlformats.org/officeDocument/2006/math">
                     <m:oMathParaPr>
@@ -15237,7 +16278,7 @@
             </p:txBody>
           </p:sp>
         </mc:Choice>
-        <mc:Fallback>
+        <mc:Fallback xmlns="">
           <p:sp>
             <p:nvSpPr>
               <p:cNvPr id="57" name="TextBox 56">
@@ -15282,8 +16323,8 @@
           </p:sp>
         </mc:Fallback>
       </mc:AlternateContent>
-      <mc:AlternateContent xmlns:mc="http://schemas.openxmlformats.org/markup-compatibility/2006">
-        <mc:Choice xmlns:a14="http://schemas.microsoft.com/office/drawing/2010/main" Requires="a14">
+      <mc:AlternateContent xmlns:mc="http://schemas.openxmlformats.org/markup-compatibility/2006" xmlns:a14="http://schemas.microsoft.com/office/drawing/2010/main">
+        <mc:Choice Requires="a14">
           <p:sp>
             <p:nvSpPr>
               <p:cNvPr id="75" name="TextBox 74">
@@ -15312,6 +16353,7 @@
               </a:bodyPr>
               <a:lstStyle/>
               <a:p>
+                <a:pPr/>
                 <a14:m>
                   <m:oMathPara xmlns:m="http://schemas.openxmlformats.org/officeDocument/2006/math">
                     <m:oMathParaPr>
@@ -15368,7 +16410,7 @@
             </p:txBody>
           </p:sp>
         </mc:Choice>
-        <mc:Fallback>
+        <mc:Fallback xmlns="">
           <p:sp>
             <p:nvSpPr>
               <p:cNvPr id="75" name="TextBox 74">
@@ -15413,8 +16455,8 @@
           </p:sp>
         </mc:Fallback>
       </mc:AlternateContent>
-      <mc:AlternateContent xmlns:mc="http://schemas.openxmlformats.org/markup-compatibility/2006">
-        <mc:Choice xmlns:a14="http://schemas.microsoft.com/office/drawing/2010/main" Requires="a14">
+      <mc:AlternateContent xmlns:mc="http://schemas.openxmlformats.org/markup-compatibility/2006" xmlns:a14="http://schemas.microsoft.com/office/drawing/2010/main">
+        <mc:Choice Requires="a14">
           <p:sp>
             <p:nvSpPr>
               <p:cNvPr id="76" name="TextBox 75">
@@ -15443,6 +16485,7 @@
               </a:bodyPr>
               <a:lstStyle/>
               <a:p>
+                <a:pPr/>
                 <a14:m>
                   <m:oMathPara xmlns:m="http://schemas.openxmlformats.org/officeDocument/2006/math">
                     <m:oMathParaPr>
@@ -15499,7 +16542,7 @@
             </p:txBody>
           </p:sp>
         </mc:Choice>
-        <mc:Fallback>
+        <mc:Fallback xmlns="">
           <p:sp>
             <p:nvSpPr>
               <p:cNvPr id="76" name="TextBox 75">
@@ -15544,8 +16587,8 @@
           </p:sp>
         </mc:Fallback>
       </mc:AlternateContent>
-      <mc:AlternateContent xmlns:mc="http://schemas.openxmlformats.org/markup-compatibility/2006">
-        <mc:Choice xmlns:a14="http://schemas.microsoft.com/office/drawing/2010/main" Requires="a14">
+      <mc:AlternateContent xmlns:mc="http://schemas.openxmlformats.org/markup-compatibility/2006" xmlns:a14="http://schemas.microsoft.com/office/drawing/2010/main">
+        <mc:Choice Requires="a14">
           <p:sp>
             <p:nvSpPr>
               <p:cNvPr id="77" name="TextBox 76">
@@ -15574,6 +16617,7 @@
               </a:bodyPr>
               <a:lstStyle/>
               <a:p>
+                <a:pPr/>
                 <a14:m>
                   <m:oMathPara xmlns:m="http://schemas.openxmlformats.org/officeDocument/2006/math">
                     <m:oMathParaPr>
@@ -15630,7 +16674,7 @@
             </p:txBody>
           </p:sp>
         </mc:Choice>
-        <mc:Fallback>
+        <mc:Fallback xmlns="">
           <p:sp>
             <p:nvSpPr>
               <p:cNvPr id="77" name="TextBox 76">
@@ -15675,8 +16719,8 @@
           </p:sp>
         </mc:Fallback>
       </mc:AlternateContent>
-      <mc:AlternateContent xmlns:mc="http://schemas.openxmlformats.org/markup-compatibility/2006">
-        <mc:Choice xmlns:a14="http://schemas.microsoft.com/office/drawing/2010/main" Requires="a14">
+      <mc:AlternateContent xmlns:mc="http://schemas.openxmlformats.org/markup-compatibility/2006" xmlns:a14="http://schemas.microsoft.com/office/drawing/2010/main">
+        <mc:Choice Requires="a14">
           <p:sp>
             <p:nvSpPr>
               <p:cNvPr id="78" name="TextBox 77">
@@ -15705,6 +16749,7 @@
               </a:bodyPr>
               <a:lstStyle/>
               <a:p>
+                <a:pPr/>
                 <a14:m>
                   <m:oMathPara xmlns:m="http://schemas.openxmlformats.org/officeDocument/2006/math">
                     <m:oMathParaPr>
@@ -15761,7 +16806,7 @@
             </p:txBody>
           </p:sp>
         </mc:Choice>
-        <mc:Fallback>
+        <mc:Fallback xmlns="">
           <p:sp>
             <p:nvSpPr>
               <p:cNvPr id="78" name="TextBox 77">
@@ -15806,8 +16851,8 @@
           </p:sp>
         </mc:Fallback>
       </mc:AlternateContent>
-      <mc:AlternateContent xmlns:mc="http://schemas.openxmlformats.org/markup-compatibility/2006">
-        <mc:Choice xmlns:a14="http://schemas.microsoft.com/office/drawing/2010/main" Requires="a14">
+      <mc:AlternateContent xmlns:mc="http://schemas.openxmlformats.org/markup-compatibility/2006" xmlns:a14="http://schemas.microsoft.com/office/drawing/2010/main">
+        <mc:Choice Requires="a14">
           <p:sp>
             <p:nvSpPr>
               <p:cNvPr id="12" name="TextBox 11">
@@ -15836,6 +16881,7 @@
               </a:bodyPr>
               <a:lstStyle/>
               <a:p>
+                <a:pPr/>
                 <a14:m>
                   <m:oMathPara xmlns:m="http://schemas.openxmlformats.org/officeDocument/2006/math">
                     <m:oMathParaPr>
@@ -15889,7 +16935,7 @@
             </p:txBody>
           </p:sp>
         </mc:Choice>
-        <mc:Fallback>
+        <mc:Fallback xmlns="">
           <p:sp>
             <p:nvSpPr>
               <p:cNvPr id="12" name="TextBox 11">
@@ -15934,8 +16980,8 @@
           </p:sp>
         </mc:Fallback>
       </mc:AlternateContent>
-      <mc:AlternateContent xmlns:mc="http://schemas.openxmlformats.org/markup-compatibility/2006">
-        <mc:Choice xmlns:a14="http://schemas.microsoft.com/office/drawing/2010/main" Requires="a14">
+      <mc:AlternateContent xmlns:mc="http://schemas.openxmlformats.org/markup-compatibility/2006" xmlns:a14="http://schemas.microsoft.com/office/drawing/2010/main">
+        <mc:Choice Requires="a14">
           <p:sp>
             <p:nvSpPr>
               <p:cNvPr id="18" name="TextBox 17">
@@ -15964,6 +17010,7 @@
               </a:bodyPr>
               <a:lstStyle/>
               <a:p>
+                <a:pPr/>
                 <a14:m>
                   <m:oMathPara xmlns:m="http://schemas.openxmlformats.org/officeDocument/2006/math">
                     <m:oMathParaPr>
@@ -15984,7 +17031,7 @@
             </p:txBody>
           </p:sp>
         </mc:Choice>
-        <mc:Fallback>
+        <mc:Fallback xmlns="">
           <p:sp>
             <p:nvSpPr>
               <p:cNvPr id="18" name="TextBox 17">
@@ -16029,8 +17076,8 @@
           </p:sp>
         </mc:Fallback>
       </mc:AlternateContent>
-      <mc:AlternateContent xmlns:mc="http://schemas.openxmlformats.org/markup-compatibility/2006">
-        <mc:Choice xmlns:a14="http://schemas.microsoft.com/office/drawing/2010/main" Requires="a14">
+      <mc:AlternateContent xmlns:mc="http://schemas.openxmlformats.org/markup-compatibility/2006" xmlns:a14="http://schemas.microsoft.com/office/drawing/2010/main">
+        <mc:Choice Requires="a14">
           <p:sp>
             <p:nvSpPr>
               <p:cNvPr id="85" name="TextBox 84">
@@ -16059,6 +17106,7 @@
               </a:bodyPr>
               <a:lstStyle/>
               <a:p>
+                <a:pPr/>
                 <a14:m>
                   <m:oMathPara xmlns:m="http://schemas.openxmlformats.org/officeDocument/2006/math">
                     <m:oMathParaPr>
@@ -16079,7 +17127,7 @@
             </p:txBody>
           </p:sp>
         </mc:Choice>
-        <mc:Fallback>
+        <mc:Fallback xmlns="">
           <p:sp>
             <p:nvSpPr>
               <p:cNvPr id="85" name="TextBox 84">
@@ -16124,8 +17172,8 @@
           </p:sp>
         </mc:Fallback>
       </mc:AlternateContent>
-      <mc:AlternateContent xmlns:mc="http://schemas.openxmlformats.org/markup-compatibility/2006">
-        <mc:Choice xmlns:a14="http://schemas.microsoft.com/office/drawing/2010/main" Requires="a14">
+      <mc:AlternateContent xmlns:mc="http://schemas.openxmlformats.org/markup-compatibility/2006" xmlns:a14="http://schemas.microsoft.com/office/drawing/2010/main">
+        <mc:Choice Requires="a14">
           <p:sp>
             <p:nvSpPr>
               <p:cNvPr id="86" name="TextBox 85">
@@ -16154,6 +17202,7 @@
               </a:bodyPr>
               <a:lstStyle/>
               <a:p>
+                <a:pPr/>
                 <a14:m>
                   <m:oMathPara xmlns:m="http://schemas.openxmlformats.org/officeDocument/2006/math">
                     <m:oMathParaPr>
@@ -16174,7 +17223,7 @@
             </p:txBody>
           </p:sp>
         </mc:Choice>
-        <mc:Fallback>
+        <mc:Fallback xmlns="">
           <p:sp>
             <p:nvSpPr>
               <p:cNvPr id="86" name="TextBox 85">
@@ -16219,8 +17268,8 @@
           </p:sp>
         </mc:Fallback>
       </mc:AlternateContent>
-      <mc:AlternateContent xmlns:mc="http://schemas.openxmlformats.org/markup-compatibility/2006">
-        <mc:Choice xmlns:a14="http://schemas.microsoft.com/office/drawing/2010/main" Requires="a14">
+      <mc:AlternateContent xmlns:mc="http://schemas.openxmlformats.org/markup-compatibility/2006" xmlns:a14="http://schemas.microsoft.com/office/drawing/2010/main">
+        <mc:Choice Requires="a14">
           <p:sp>
             <p:nvSpPr>
               <p:cNvPr id="87" name="TextBox 86">
@@ -16249,6 +17298,7 @@
               </a:bodyPr>
               <a:lstStyle/>
               <a:p>
+                <a:pPr/>
                 <a14:m>
                   <m:oMathPara xmlns:m="http://schemas.openxmlformats.org/officeDocument/2006/math">
                     <m:oMathParaPr>
@@ -16269,7 +17319,7 @@
             </p:txBody>
           </p:sp>
         </mc:Choice>
-        <mc:Fallback>
+        <mc:Fallback xmlns="">
           <p:sp>
             <p:nvSpPr>
               <p:cNvPr id="87" name="TextBox 86">
@@ -16314,8 +17364,8 @@
           </p:sp>
         </mc:Fallback>
       </mc:AlternateContent>
-      <mc:AlternateContent xmlns:mc="http://schemas.openxmlformats.org/markup-compatibility/2006">
-        <mc:Choice xmlns:a14="http://schemas.microsoft.com/office/drawing/2010/main" Requires="a14">
+      <mc:AlternateContent xmlns:mc="http://schemas.openxmlformats.org/markup-compatibility/2006" xmlns:a14="http://schemas.microsoft.com/office/drawing/2010/main">
+        <mc:Choice Requires="a14">
           <p:sp>
             <p:nvSpPr>
               <p:cNvPr id="88" name="TextBox 87">
@@ -16344,6 +17394,7 @@
               </a:bodyPr>
               <a:lstStyle/>
               <a:p>
+                <a:pPr/>
                 <a14:m>
                   <m:oMathPara xmlns:m="http://schemas.openxmlformats.org/officeDocument/2006/math">
                     <m:oMathParaPr>
@@ -16364,7 +17415,7 @@
             </p:txBody>
           </p:sp>
         </mc:Choice>
-        <mc:Fallback>
+        <mc:Fallback xmlns="">
           <p:sp>
             <p:nvSpPr>
               <p:cNvPr id="88" name="TextBox 87">
@@ -16409,8 +17460,8 @@
           </p:sp>
         </mc:Fallback>
       </mc:AlternateContent>
-      <mc:AlternateContent xmlns:mc="http://schemas.openxmlformats.org/markup-compatibility/2006">
-        <mc:Choice xmlns:a14="http://schemas.microsoft.com/office/drawing/2010/main" Requires="a14">
+      <mc:AlternateContent xmlns:mc="http://schemas.openxmlformats.org/markup-compatibility/2006" xmlns:a14="http://schemas.microsoft.com/office/drawing/2010/main">
+        <mc:Choice Requires="a14">
           <p:sp>
             <p:nvSpPr>
               <p:cNvPr id="89" name="TextBox 88">
@@ -16439,6 +17490,7 @@
               </a:bodyPr>
               <a:lstStyle/>
               <a:p>
+                <a:pPr/>
                 <a14:m>
                   <m:oMathPara xmlns:m="http://schemas.openxmlformats.org/officeDocument/2006/math">
                     <m:oMathParaPr>
@@ -16492,7 +17544,7 @@
             </p:txBody>
           </p:sp>
         </mc:Choice>
-        <mc:Fallback>
+        <mc:Fallback xmlns="">
           <p:sp>
             <p:nvSpPr>
               <p:cNvPr id="89" name="TextBox 88">
@@ -16537,8 +17589,8 @@
           </p:sp>
         </mc:Fallback>
       </mc:AlternateContent>
-      <mc:AlternateContent xmlns:mc="http://schemas.openxmlformats.org/markup-compatibility/2006">
-        <mc:Choice xmlns:a14="http://schemas.microsoft.com/office/drawing/2010/main" Requires="a14">
+      <mc:AlternateContent xmlns:mc="http://schemas.openxmlformats.org/markup-compatibility/2006" xmlns:a14="http://schemas.microsoft.com/office/drawing/2010/main">
+        <mc:Choice Requires="a14">
           <p:sp>
             <p:nvSpPr>
               <p:cNvPr id="90" name="TextBox 89">
@@ -16567,6 +17619,7 @@
               </a:bodyPr>
               <a:lstStyle/>
               <a:p>
+                <a:pPr/>
                 <a14:m>
                   <m:oMathPara xmlns:m="http://schemas.openxmlformats.org/officeDocument/2006/math">
                     <m:oMathParaPr>
@@ -16614,7 +17667,7 @@
             </p:txBody>
           </p:sp>
         </mc:Choice>
-        <mc:Fallback>
+        <mc:Fallback xmlns="">
           <p:sp>
             <p:nvSpPr>
               <p:cNvPr id="90" name="TextBox 89">
@@ -16659,8 +17712,8 @@
           </p:sp>
         </mc:Fallback>
       </mc:AlternateContent>
-      <mc:AlternateContent xmlns:mc="http://schemas.openxmlformats.org/markup-compatibility/2006">
-        <mc:Choice xmlns:a14="http://schemas.microsoft.com/office/drawing/2010/main" Requires="a14">
+      <mc:AlternateContent xmlns:mc="http://schemas.openxmlformats.org/markup-compatibility/2006" xmlns:a14="http://schemas.microsoft.com/office/drawing/2010/main">
+        <mc:Choice Requires="a14">
           <p:sp>
             <p:nvSpPr>
               <p:cNvPr id="91" name="TextBox 90">
@@ -16689,6 +17742,7 @@
               </a:bodyPr>
               <a:lstStyle/>
               <a:p>
+                <a:pPr/>
                 <a14:m>
                   <m:oMathPara xmlns:m="http://schemas.openxmlformats.org/officeDocument/2006/math">
                     <m:oMathParaPr>
@@ -16748,7 +17802,7 @@
             </p:txBody>
           </p:sp>
         </mc:Choice>
-        <mc:Fallback>
+        <mc:Fallback xmlns="">
           <p:sp>
             <p:nvSpPr>
               <p:cNvPr id="91" name="TextBox 90">
@@ -16793,8 +17847,8 @@
           </p:sp>
         </mc:Fallback>
       </mc:AlternateContent>
-      <mc:AlternateContent xmlns:mc="http://schemas.openxmlformats.org/markup-compatibility/2006">
-        <mc:Choice xmlns:a14="http://schemas.microsoft.com/office/drawing/2010/main" Requires="a14">
+      <mc:AlternateContent xmlns:mc="http://schemas.openxmlformats.org/markup-compatibility/2006" xmlns:a14="http://schemas.microsoft.com/office/drawing/2010/main">
+        <mc:Choice Requires="a14">
           <p:sp>
             <p:nvSpPr>
               <p:cNvPr id="92" name="TextBox 91">
@@ -16823,6 +17877,7 @@
               </a:bodyPr>
               <a:lstStyle/>
               <a:p>
+                <a:pPr/>
                 <a14:m>
                   <m:oMathPara xmlns:m="http://schemas.openxmlformats.org/officeDocument/2006/math">
                     <m:oMathParaPr>
@@ -16912,7 +17967,7 @@
             </p:txBody>
           </p:sp>
         </mc:Choice>
-        <mc:Fallback>
+        <mc:Fallback xmlns="">
           <p:sp>
             <p:nvSpPr>
               <p:cNvPr id="92" name="TextBox 91">
